--- a/images/process.pptx
+++ b/images/process.pptx
@@ -6,6 +6,7 @@
   </p:sldMasterIdLst>
   <p:sldIdLst>
     <p:sldId id="256" r:id="rId2"/>
+    <p:sldId id="257" r:id="rId3"/>
   </p:sldIdLst>
   <p:sldSz cx="12192000" cy="6858000"/>
   <p:notesSz cx="6858000" cy="9144000"/>
@@ -126,7 +127,7 @@
 <file path=ppt/revisionInfo.xml><?xml version="1.0" encoding="utf-8"?>
 <p1510:revInfo xmlns:a="http://schemas.openxmlformats.org/drawingml/2006/main" xmlns:r="http://schemas.openxmlformats.org/officeDocument/2006/relationships" xmlns:p1510="http://schemas.microsoft.com/office/powerpoint/2015/10/main">
   <p1510:revLst>
-    <p1510:client id="{529009C1-B03F-49D1-A94D-5E52E30A2B73}" v="24" dt="2022-06-14T22:02:24.673"/>
+    <p1510:client id="{529009C1-B03F-49D1-A94D-5E52E30A2B73}" v="48" dt="2022-06-15T22:39:49.280"/>
   </p1510:revLst>
 </p1510:revInfo>
 </file>
@@ -135,8 +136,8 @@
 <pc:chgInfo xmlns:a="http://schemas.openxmlformats.org/drawingml/2006/main" xmlns:r="http://schemas.openxmlformats.org/officeDocument/2006/relationships" xmlns:ac="http://schemas.microsoft.com/office/drawing/2013/main/command" xmlns:pc="http://schemas.microsoft.com/office/powerpoint/2013/main/command">
   <pc:docChgLst>
     <pc:chgData name="Raymond Deleu" userId="068f976be0c9fe56" providerId="LiveId" clId="{529009C1-B03F-49D1-A94D-5E52E30A2B73}"/>
-    <pc:docChg chg="undo custSel modSld">
-      <pc:chgData name="Raymond Deleu" userId="068f976be0c9fe56" providerId="LiveId" clId="{529009C1-B03F-49D1-A94D-5E52E30A2B73}" dt="2022-06-14T22:03:18.959" v="354" actId="20577"/>
+    <pc:docChg chg="undo custSel addSld modSld">
+      <pc:chgData name="Raymond Deleu" userId="068f976be0c9fe56" providerId="LiveId" clId="{529009C1-B03F-49D1-A94D-5E52E30A2B73}" dt="2022-06-15T22:48:24.291" v="943" actId="20577"/>
       <pc:docMkLst>
         <pc:docMk/>
       </pc:docMkLst>
@@ -464,6 +465,517 @@
             <pc:docMk/>
             <pc:sldMk cId="127676417" sldId="256"/>
             <ac:cxnSpMk id="41" creationId="{C18DF26A-0A1D-7C95-B7A2-E94F16BB915F}"/>
+          </ac:cxnSpMkLst>
+        </pc:cxnChg>
+      </pc:sldChg>
+      <pc:sldChg chg="addSp delSp modSp add mod">
+        <pc:chgData name="Raymond Deleu" userId="068f976be0c9fe56" providerId="LiveId" clId="{529009C1-B03F-49D1-A94D-5E52E30A2B73}" dt="2022-06-15T22:48:24.291" v="943" actId="20577"/>
+        <pc:sldMkLst>
+          <pc:docMk/>
+          <pc:sldMk cId="476744453" sldId="257"/>
+        </pc:sldMkLst>
+        <pc:spChg chg="mod">
+          <ac:chgData name="Raymond Deleu" userId="068f976be0c9fe56" providerId="LiveId" clId="{529009C1-B03F-49D1-A94D-5E52E30A2B73}" dt="2022-06-15T22:46:19.892" v="916" actId="207"/>
+          <ac:spMkLst>
+            <pc:docMk/>
+            <pc:sldMk cId="476744453" sldId="257"/>
+            <ac:spMk id="10" creationId="{ADF879F5-F111-B0AB-700B-5AC7048564D9}"/>
+          </ac:spMkLst>
+        </pc:spChg>
+        <pc:spChg chg="mod">
+          <ac:chgData name="Raymond Deleu" userId="068f976be0c9fe56" providerId="LiveId" clId="{529009C1-B03F-49D1-A94D-5E52E30A2B73}" dt="2022-06-15T22:41:17.029" v="893" actId="108"/>
+          <ac:spMkLst>
+            <pc:docMk/>
+            <pc:sldMk cId="476744453" sldId="257"/>
+            <ac:spMk id="16" creationId="{E2812D39-8E4E-F849-70F7-C1FE6441F55F}"/>
+          </ac:spMkLst>
+        </pc:spChg>
+        <pc:spChg chg="add mod ord">
+          <ac:chgData name="Raymond Deleu" userId="068f976be0c9fe56" providerId="LiveId" clId="{529009C1-B03F-49D1-A94D-5E52E30A2B73}" dt="2022-06-15T22:20:29.405" v="781" actId="207"/>
+          <ac:spMkLst>
+            <pc:docMk/>
+            <pc:sldMk cId="476744453" sldId="257"/>
+            <ac:spMk id="18" creationId="{63B3D650-7E34-6347-8A04-CF27E14E949B}"/>
+          </ac:spMkLst>
+        </pc:spChg>
+        <pc:spChg chg="add del mod">
+          <ac:chgData name="Raymond Deleu" userId="068f976be0c9fe56" providerId="LiveId" clId="{529009C1-B03F-49D1-A94D-5E52E30A2B73}" dt="2022-06-15T22:45:27.435" v="915" actId="478"/>
+          <ac:spMkLst>
+            <pc:docMk/>
+            <pc:sldMk cId="476744453" sldId="257"/>
+            <ac:spMk id="20" creationId="{B282E92E-4589-B4C5-A4AE-78E9F753CD13}"/>
+          </ac:spMkLst>
+        </pc:spChg>
+        <pc:spChg chg="mod">
+          <ac:chgData name="Raymond Deleu" userId="068f976be0c9fe56" providerId="LiveId" clId="{529009C1-B03F-49D1-A94D-5E52E30A2B73}" dt="2022-06-15T22:44:34.760" v="909" actId="113"/>
+          <ac:spMkLst>
+            <pc:docMk/>
+            <pc:sldMk cId="476744453" sldId="257"/>
+            <ac:spMk id="22" creationId="{2BDF4616-4A7A-A319-8AAC-82403E25FA3B}"/>
+          </ac:spMkLst>
+        </pc:spChg>
+        <pc:spChg chg="mod">
+          <ac:chgData name="Raymond Deleu" userId="068f976be0c9fe56" providerId="LiveId" clId="{529009C1-B03F-49D1-A94D-5E52E30A2B73}" dt="2022-06-15T22:44:42.822" v="910" actId="113"/>
+          <ac:spMkLst>
+            <pc:docMk/>
+            <pc:sldMk cId="476744453" sldId="257"/>
+            <ac:spMk id="23" creationId="{FDABC0EE-7FB5-1F36-D803-2C875D0FA845}"/>
+          </ac:spMkLst>
+        </pc:spChg>
+        <pc:spChg chg="mod">
+          <ac:chgData name="Raymond Deleu" userId="068f976be0c9fe56" providerId="LiveId" clId="{529009C1-B03F-49D1-A94D-5E52E30A2B73}" dt="2022-06-15T22:19:43.776" v="764" actId="207"/>
+          <ac:spMkLst>
+            <pc:docMk/>
+            <pc:sldMk cId="476744453" sldId="257"/>
+            <ac:spMk id="24" creationId="{A836C81B-C14E-EEC8-8AFB-6B6956909C95}"/>
+          </ac:spMkLst>
+        </pc:spChg>
+        <pc:spChg chg="mod">
+          <ac:chgData name="Raymond Deleu" userId="068f976be0c9fe56" providerId="LiveId" clId="{529009C1-B03F-49D1-A94D-5E52E30A2B73}" dt="2022-06-15T22:19:34.524" v="763" actId="207"/>
+          <ac:spMkLst>
+            <pc:docMk/>
+            <pc:sldMk cId="476744453" sldId="257"/>
+            <ac:spMk id="25" creationId="{8FE175A5-C152-B922-2841-18243D1D28B3}"/>
+          </ac:spMkLst>
+        </pc:spChg>
+        <pc:spChg chg="mod">
+          <ac:chgData name="Raymond Deleu" userId="068f976be0c9fe56" providerId="LiveId" clId="{529009C1-B03F-49D1-A94D-5E52E30A2B73}" dt="2022-06-15T22:44:45.734" v="911" actId="113"/>
+          <ac:spMkLst>
+            <pc:docMk/>
+            <pc:sldMk cId="476744453" sldId="257"/>
+            <ac:spMk id="26" creationId="{007CEC2B-449E-81F6-CE48-F4E17404C6D1}"/>
+          </ac:spMkLst>
+        </pc:spChg>
+        <pc:spChg chg="mod">
+          <ac:chgData name="Raymond Deleu" userId="068f976be0c9fe56" providerId="LiveId" clId="{529009C1-B03F-49D1-A94D-5E52E30A2B73}" dt="2022-06-15T22:44:49.619" v="912" actId="113"/>
+          <ac:spMkLst>
+            <pc:docMk/>
+            <pc:sldMk cId="476744453" sldId="257"/>
+            <ac:spMk id="27" creationId="{410B2717-2B15-549D-AE05-252C70DF9657}"/>
+          </ac:spMkLst>
+        </pc:spChg>
+        <pc:spChg chg="mod">
+          <ac:chgData name="Raymond Deleu" userId="068f976be0c9fe56" providerId="LiveId" clId="{529009C1-B03F-49D1-A94D-5E52E30A2B73}" dt="2022-06-15T22:44:52.526" v="913" actId="113"/>
+          <ac:spMkLst>
+            <pc:docMk/>
+            <pc:sldMk cId="476744453" sldId="257"/>
+            <ac:spMk id="28" creationId="{B1EE70EC-EFD7-1CAF-FFA6-B9B49C4E5602}"/>
+          </ac:spMkLst>
+        </pc:spChg>
+        <pc:spChg chg="mod">
+          <ac:chgData name="Raymond Deleu" userId="068f976be0c9fe56" providerId="LiveId" clId="{529009C1-B03F-49D1-A94D-5E52E30A2B73}" dt="2022-06-15T22:21:48.903" v="797" actId="207"/>
+          <ac:spMkLst>
+            <pc:docMk/>
+            <pc:sldMk cId="476744453" sldId="257"/>
+            <ac:spMk id="29" creationId="{07E50AA2-4991-E31E-60A4-56A83C4A759A}"/>
+          </ac:spMkLst>
+        </pc:spChg>
+        <pc:spChg chg="mod">
+          <ac:chgData name="Raymond Deleu" userId="068f976be0c9fe56" providerId="LiveId" clId="{529009C1-B03F-49D1-A94D-5E52E30A2B73}" dt="2022-06-15T22:21:53.211" v="798" actId="207"/>
+          <ac:spMkLst>
+            <pc:docMk/>
+            <pc:sldMk cId="476744453" sldId="257"/>
+            <ac:spMk id="30" creationId="{21AABDD3-08E5-A5A8-954D-5FE5521BE487}"/>
+          </ac:spMkLst>
+        </pc:spChg>
+        <pc:spChg chg="mod">
+          <ac:chgData name="Raymond Deleu" userId="068f976be0c9fe56" providerId="LiveId" clId="{529009C1-B03F-49D1-A94D-5E52E30A2B73}" dt="2022-06-15T22:21:54.441" v="799" actId="207"/>
+          <ac:spMkLst>
+            <pc:docMk/>
+            <pc:sldMk cId="476744453" sldId="257"/>
+            <ac:spMk id="31" creationId="{41E43641-3801-FB86-2A00-B7F80600605F}"/>
+          </ac:spMkLst>
+        </pc:spChg>
+        <pc:spChg chg="del mod">
+          <ac:chgData name="Raymond Deleu" userId="068f976be0c9fe56" providerId="LiveId" clId="{529009C1-B03F-49D1-A94D-5E52E30A2B73}" dt="2022-06-15T22:21:01.073" v="787" actId="478"/>
+          <ac:spMkLst>
+            <pc:docMk/>
+            <pc:sldMk cId="476744453" sldId="257"/>
+            <ac:spMk id="32" creationId="{ECD9C1E1-1D29-3FD6-FE3E-7C1D291D3F56}"/>
+          </ac:spMkLst>
+        </pc:spChg>
+        <pc:spChg chg="del mod">
+          <ac:chgData name="Raymond Deleu" userId="068f976be0c9fe56" providerId="LiveId" clId="{529009C1-B03F-49D1-A94D-5E52E30A2B73}" dt="2022-06-15T22:21:02.413" v="788" actId="478"/>
+          <ac:spMkLst>
+            <pc:docMk/>
+            <pc:sldMk cId="476744453" sldId="257"/>
+            <ac:spMk id="33" creationId="{C6DA0C47-9771-865A-2CAE-1AFD7130DF23}"/>
+          </ac:spMkLst>
+        </pc:spChg>
+        <pc:spChg chg="mod">
+          <ac:chgData name="Raymond Deleu" userId="068f976be0c9fe56" providerId="LiveId" clId="{529009C1-B03F-49D1-A94D-5E52E30A2B73}" dt="2022-06-15T22:21:55.602" v="800" actId="207"/>
+          <ac:spMkLst>
+            <pc:docMk/>
+            <pc:sldMk cId="476744453" sldId="257"/>
+            <ac:spMk id="34" creationId="{700486AC-23C4-193F-4C23-530FA8BF5F91}"/>
+          </ac:spMkLst>
+        </pc:spChg>
+        <pc:spChg chg="mod">
+          <ac:chgData name="Raymond Deleu" userId="068f976be0c9fe56" providerId="LiveId" clId="{529009C1-B03F-49D1-A94D-5E52E30A2B73}" dt="2022-06-15T22:48:24.291" v="943" actId="20577"/>
+          <ac:spMkLst>
+            <pc:docMk/>
+            <pc:sldMk cId="476744453" sldId="257"/>
+            <ac:spMk id="36" creationId="{40C5B789-94F2-4D4C-4AE2-17608E6D5257}"/>
+          </ac:spMkLst>
+        </pc:spChg>
+        <pc:spChg chg="del mod">
+          <ac:chgData name="Raymond Deleu" userId="068f976be0c9fe56" providerId="LiveId" clId="{529009C1-B03F-49D1-A94D-5E52E30A2B73}" dt="2022-06-15T22:20:48.477" v="784" actId="478"/>
+          <ac:spMkLst>
+            <pc:docMk/>
+            <pc:sldMk cId="476744453" sldId="257"/>
+            <ac:spMk id="42" creationId="{3E28C46D-A3F6-7FFD-F27E-0A1C1001932A}"/>
+          </ac:spMkLst>
+        </pc:spChg>
+        <pc:spChg chg="mod">
+          <ac:chgData name="Raymond Deleu" userId="068f976be0c9fe56" providerId="LiveId" clId="{529009C1-B03F-49D1-A94D-5E52E30A2B73}" dt="2022-06-15T22:20:08.217" v="778" actId="207"/>
+          <ac:spMkLst>
+            <pc:docMk/>
+            <pc:sldMk cId="476744453" sldId="257"/>
+            <ac:spMk id="43" creationId="{48475E97-8D4B-22F1-2B30-853188155FDD}"/>
+          </ac:spMkLst>
+        </pc:spChg>
+        <pc:spChg chg="mod">
+          <ac:chgData name="Raymond Deleu" userId="068f976be0c9fe56" providerId="LiveId" clId="{529009C1-B03F-49D1-A94D-5E52E30A2B73}" dt="2022-06-15T22:41:09.609" v="891" actId="207"/>
+          <ac:spMkLst>
+            <pc:docMk/>
+            <pc:sldMk cId="476744453" sldId="257"/>
+            <ac:spMk id="44" creationId="{D40C98B1-F20A-03EA-B5C5-B529E54DC286}"/>
+          </ac:spMkLst>
+        </pc:spChg>
+        <pc:spChg chg="add mod">
+          <ac:chgData name="Raymond Deleu" userId="068f976be0c9fe56" providerId="LiveId" clId="{529009C1-B03F-49D1-A94D-5E52E30A2B73}" dt="2022-06-15T22:20:01.266" v="773" actId="207"/>
+          <ac:spMkLst>
+            <pc:docMk/>
+            <pc:sldMk cId="476744453" sldId="257"/>
+            <ac:spMk id="45" creationId="{CC331C74-F5A0-C4AA-B43A-D93ACE00B49C}"/>
+          </ac:spMkLst>
+        </pc:spChg>
+        <pc:spChg chg="add del mod">
+          <ac:chgData name="Raymond Deleu" userId="068f976be0c9fe56" providerId="LiveId" clId="{529009C1-B03F-49D1-A94D-5E52E30A2B73}" dt="2022-06-15T22:21:03.493" v="789" actId="478"/>
+          <ac:spMkLst>
+            <pc:docMk/>
+            <pc:sldMk cId="476744453" sldId="257"/>
+            <ac:spMk id="46" creationId="{5F3481F0-4E1C-254B-A4F3-DAC8897F2241}"/>
+          </ac:spMkLst>
+        </pc:spChg>
+        <pc:spChg chg="add mod">
+          <ac:chgData name="Raymond Deleu" userId="068f976be0c9fe56" providerId="LiveId" clId="{529009C1-B03F-49D1-A94D-5E52E30A2B73}" dt="2022-06-15T22:41:32.837" v="899" actId="108"/>
+          <ac:spMkLst>
+            <pc:docMk/>
+            <pc:sldMk cId="476744453" sldId="257"/>
+            <ac:spMk id="47" creationId="{51168452-BE82-26A7-04C8-AD992011D474}"/>
+          </ac:spMkLst>
+        </pc:spChg>
+        <pc:spChg chg="add del mod">
+          <ac:chgData name="Raymond Deleu" userId="068f976be0c9fe56" providerId="LiveId" clId="{529009C1-B03F-49D1-A94D-5E52E30A2B73}" dt="2022-06-15T22:01:53.811" v="426" actId="478"/>
+          <ac:spMkLst>
+            <pc:docMk/>
+            <pc:sldMk cId="476744453" sldId="257"/>
+            <ac:spMk id="48" creationId="{509F33BF-3386-965E-D70C-11E09791EE73}"/>
+          </ac:spMkLst>
+        </pc:spChg>
+        <pc:spChg chg="add del mod">
+          <ac:chgData name="Raymond Deleu" userId="068f976be0c9fe56" providerId="LiveId" clId="{529009C1-B03F-49D1-A94D-5E52E30A2B73}" dt="2022-06-15T22:22:41.652" v="805" actId="478"/>
+          <ac:spMkLst>
+            <pc:docMk/>
+            <pc:sldMk cId="476744453" sldId="257"/>
+            <ac:spMk id="49" creationId="{317D24B0-E653-BC4F-093F-6DCEDF54BB57}"/>
+          </ac:spMkLst>
+        </pc:spChg>
+        <pc:spChg chg="add mod">
+          <ac:chgData name="Raymond Deleu" userId="068f976be0c9fe56" providerId="LiveId" clId="{529009C1-B03F-49D1-A94D-5E52E30A2B73}" dt="2022-06-15T22:41:14.342" v="892" actId="108"/>
+          <ac:spMkLst>
+            <pc:docMk/>
+            <pc:sldMk cId="476744453" sldId="257"/>
+            <ac:spMk id="53" creationId="{F15D227C-20E2-7692-CA0D-E142CC2BBA0C}"/>
+          </ac:spMkLst>
+        </pc:spChg>
+        <pc:spChg chg="add mod">
+          <ac:chgData name="Raymond Deleu" userId="068f976be0c9fe56" providerId="LiveId" clId="{529009C1-B03F-49D1-A94D-5E52E30A2B73}" dt="2022-06-15T22:41:22.704" v="895" actId="108"/>
+          <ac:spMkLst>
+            <pc:docMk/>
+            <pc:sldMk cId="476744453" sldId="257"/>
+            <ac:spMk id="54" creationId="{79A6AF07-C0E8-121B-A240-C1FB5A139B56}"/>
+          </ac:spMkLst>
+        </pc:spChg>
+        <pc:spChg chg="add mod">
+          <ac:chgData name="Raymond Deleu" userId="068f976be0c9fe56" providerId="LiveId" clId="{529009C1-B03F-49D1-A94D-5E52E30A2B73}" dt="2022-06-15T22:41:25.218" v="896" actId="108"/>
+          <ac:spMkLst>
+            <pc:docMk/>
+            <pc:sldMk cId="476744453" sldId="257"/>
+            <ac:spMk id="55" creationId="{FF904473-6D8C-F19E-4F2B-18D30EC897F5}"/>
+          </ac:spMkLst>
+        </pc:spChg>
+        <pc:spChg chg="add mod">
+          <ac:chgData name="Raymond Deleu" userId="068f976be0c9fe56" providerId="LiveId" clId="{529009C1-B03F-49D1-A94D-5E52E30A2B73}" dt="2022-06-15T22:41:30.162" v="898" actId="108"/>
+          <ac:spMkLst>
+            <pc:docMk/>
+            <pc:sldMk cId="476744453" sldId="257"/>
+            <ac:spMk id="56" creationId="{7E94D2E8-72B2-1A1A-775C-012955B20F8B}"/>
+          </ac:spMkLst>
+        </pc:spChg>
+        <pc:spChg chg="add mod">
+          <ac:chgData name="Raymond Deleu" userId="068f976be0c9fe56" providerId="LiveId" clId="{529009C1-B03F-49D1-A94D-5E52E30A2B73}" dt="2022-06-15T22:41:27.627" v="897" actId="108"/>
+          <ac:spMkLst>
+            <pc:docMk/>
+            <pc:sldMk cId="476744453" sldId="257"/>
+            <ac:spMk id="57" creationId="{51826656-8E97-B1C1-09B4-C0B9AE92FCAF}"/>
+          </ac:spMkLst>
+        </pc:spChg>
+        <pc:spChg chg="add del mod">
+          <ac:chgData name="Raymond Deleu" userId="068f976be0c9fe56" providerId="LiveId" clId="{529009C1-B03F-49D1-A94D-5E52E30A2B73}" dt="2022-06-15T22:26:55.308" v="814" actId="478"/>
+          <ac:spMkLst>
+            <pc:docMk/>
+            <pc:sldMk cId="476744453" sldId="257"/>
+            <ac:spMk id="58" creationId="{046F2361-B57C-8DAA-E261-3130990EE93B}"/>
+          </ac:spMkLst>
+        </pc:spChg>
+        <pc:spChg chg="add mod ord">
+          <ac:chgData name="Raymond Deleu" userId="068f976be0c9fe56" providerId="LiveId" clId="{529009C1-B03F-49D1-A94D-5E52E30A2B73}" dt="2022-06-15T22:44:08.087" v="907" actId="207"/>
+          <ac:spMkLst>
+            <pc:docMk/>
+            <pc:sldMk cId="476744453" sldId="257"/>
+            <ac:spMk id="61" creationId="{B96C0835-9971-32D7-D974-80B281584D77}"/>
+          </ac:spMkLst>
+        </pc:spChg>
+        <pc:spChg chg="add mod">
+          <ac:chgData name="Raymond Deleu" userId="068f976be0c9fe56" providerId="LiveId" clId="{529009C1-B03F-49D1-A94D-5E52E30A2B73}" dt="2022-06-15T22:32:46.589" v="854" actId="20577"/>
+          <ac:spMkLst>
+            <pc:docMk/>
+            <pc:sldMk cId="476744453" sldId="257"/>
+            <ac:spMk id="64" creationId="{680975D4-4021-2DC7-4616-ABE7BABCEE43}"/>
+          </ac:spMkLst>
+        </pc:spChg>
+        <pc:spChg chg="add mod">
+          <ac:chgData name="Raymond Deleu" userId="068f976be0c9fe56" providerId="LiveId" clId="{529009C1-B03F-49D1-A94D-5E52E30A2B73}" dt="2022-06-15T22:44:11.007" v="908" actId="207"/>
+          <ac:spMkLst>
+            <pc:docMk/>
+            <pc:sldMk cId="476744453" sldId="257"/>
+            <ac:spMk id="65" creationId="{D2925012-80BF-7E21-D69F-C0303252E3D9}"/>
+          </ac:spMkLst>
+        </pc:spChg>
+        <pc:spChg chg="add mod">
+          <ac:chgData name="Raymond Deleu" userId="068f976be0c9fe56" providerId="LiveId" clId="{529009C1-B03F-49D1-A94D-5E52E30A2B73}" dt="2022-06-15T22:39:42.184" v="881" actId="20577"/>
+          <ac:spMkLst>
+            <pc:docMk/>
+            <pc:sldMk cId="476744453" sldId="257"/>
+            <ac:spMk id="70" creationId="{F781BE54-4D87-2C77-16CD-4CBC5AB3211C}"/>
+          </ac:spMkLst>
+        </pc:spChg>
+        <pc:spChg chg="add mod">
+          <ac:chgData name="Raymond Deleu" userId="068f976be0c9fe56" providerId="LiveId" clId="{529009C1-B03F-49D1-A94D-5E52E30A2B73}" dt="2022-06-15T22:41:19.645" v="894" actId="108"/>
+          <ac:spMkLst>
+            <pc:docMk/>
+            <pc:sldMk cId="476744453" sldId="257"/>
+            <ac:spMk id="71" creationId="{4D997EE6-FE70-AE52-D58B-E1B8306CAADD}"/>
+          </ac:spMkLst>
+        </pc:spChg>
+        <pc:grpChg chg="add mod">
+          <ac:chgData name="Raymond Deleu" userId="068f976be0c9fe56" providerId="LiveId" clId="{529009C1-B03F-49D1-A94D-5E52E30A2B73}" dt="2022-06-15T22:19:04.764" v="752" actId="207"/>
+          <ac:grpSpMkLst>
+            <pc:docMk/>
+            <pc:sldMk cId="476744453" sldId="257"/>
+            <ac:grpSpMk id="2" creationId="{9F9EC600-3EBA-57B2-7911-7B5821536D04}"/>
+          </ac:grpSpMkLst>
+        </pc:grpChg>
+        <pc:grpChg chg="add mod ord">
+          <ac:chgData name="Raymond Deleu" userId="068f976be0c9fe56" providerId="LiveId" clId="{529009C1-B03F-49D1-A94D-5E52E30A2B73}" dt="2022-06-15T22:19:16.350" v="759" actId="207"/>
+          <ac:grpSpMkLst>
+            <pc:docMk/>
+            <pc:sldMk cId="476744453" sldId="257"/>
+            <ac:grpSpMk id="6" creationId="{3D0947D1-ED87-0481-4B82-353C89567D3E}"/>
+          </ac:grpSpMkLst>
+        </pc:grpChg>
+        <pc:grpChg chg="add mod">
+          <ac:chgData name="Raymond Deleu" userId="068f976be0c9fe56" providerId="LiveId" clId="{529009C1-B03F-49D1-A94D-5E52E30A2B73}" dt="2022-06-15T22:08:25.398" v="703" actId="1076"/>
+          <ac:grpSpMkLst>
+            <pc:docMk/>
+            <pc:sldMk cId="476744453" sldId="257"/>
+            <ac:grpSpMk id="8" creationId="{2597C9A4-A509-E4DA-FF74-5F744B6AE523}"/>
+          </ac:grpSpMkLst>
+        </pc:grpChg>
+        <pc:grpChg chg="mod">
+          <ac:chgData name="Raymond Deleu" userId="068f976be0c9fe56" providerId="LiveId" clId="{529009C1-B03F-49D1-A94D-5E52E30A2B73}" dt="2022-06-15T22:19:22.910" v="761" actId="207"/>
+          <ac:grpSpMkLst>
+            <pc:docMk/>
+            <pc:sldMk cId="476744453" sldId="257"/>
+            <ac:grpSpMk id="12" creationId="{7E55726E-EEB8-6AC5-993A-E194127584F4}"/>
+          </ac:grpSpMkLst>
+        </pc:grpChg>
+        <pc:picChg chg="mod">
+          <ac:chgData name="Raymond Deleu" userId="068f976be0c9fe56" providerId="LiveId" clId="{529009C1-B03F-49D1-A94D-5E52E30A2B73}" dt="2022-06-15T22:42:48.152" v="902" actId="2085"/>
+          <ac:picMkLst>
+            <pc:docMk/>
+            <pc:sldMk cId="476744453" sldId="257"/>
+            <ac:picMk id="4" creationId="{70F0675C-0A05-E6E7-D76A-E4FCE1A8C5A5}"/>
+          </ac:picMkLst>
+        </pc:picChg>
+        <pc:picChg chg="mod">
+          <ac:chgData name="Raymond Deleu" userId="068f976be0c9fe56" providerId="LiveId" clId="{529009C1-B03F-49D1-A94D-5E52E30A2B73}" dt="2022-06-15T22:08:25.398" v="703" actId="1076"/>
+          <ac:picMkLst>
+            <pc:docMk/>
+            <pc:sldMk cId="476744453" sldId="257"/>
+            <ac:picMk id="5" creationId="{04F34B04-6457-D7CF-6A6E-42216C3351A2}"/>
+          </ac:picMkLst>
+        </pc:picChg>
+        <pc:picChg chg="mod">
+          <ac:chgData name="Raymond Deleu" userId="068f976be0c9fe56" providerId="LiveId" clId="{529009C1-B03F-49D1-A94D-5E52E30A2B73}" dt="2022-06-15T22:08:25.398" v="703" actId="1076"/>
+          <ac:picMkLst>
+            <pc:docMk/>
+            <pc:sldMk cId="476744453" sldId="257"/>
+            <ac:picMk id="7" creationId="{0DD5090A-9528-481C-6787-0569DBC8399F}"/>
+          </ac:picMkLst>
+        </pc:picChg>
+        <pc:picChg chg="mod">
+          <ac:chgData name="Raymond Deleu" userId="068f976be0c9fe56" providerId="LiveId" clId="{529009C1-B03F-49D1-A94D-5E52E30A2B73}" dt="2022-06-15T22:14:27.774" v="750" actId="14100"/>
+          <ac:picMkLst>
+            <pc:docMk/>
+            <pc:sldMk cId="476744453" sldId="257"/>
+            <ac:picMk id="9" creationId="{64A407DA-6AD6-A4B5-B691-365E17227226}"/>
+          </ac:picMkLst>
+        </pc:picChg>
+        <pc:picChg chg="mod">
+          <ac:chgData name="Raymond Deleu" userId="068f976be0c9fe56" providerId="LiveId" clId="{529009C1-B03F-49D1-A94D-5E52E30A2B73}" dt="2022-06-15T21:50:46.638" v="364" actId="164"/>
+          <ac:picMkLst>
+            <pc:docMk/>
+            <pc:sldMk cId="476744453" sldId="257"/>
+            <ac:picMk id="11" creationId="{BB97E210-DFB4-22BC-A8E1-ADEF4E043E8D}"/>
+          </ac:picMkLst>
+        </pc:picChg>
+        <pc:picChg chg="mod">
+          <ac:chgData name="Raymond Deleu" userId="068f976be0c9fe56" providerId="LiveId" clId="{529009C1-B03F-49D1-A94D-5E52E30A2B73}" dt="2022-06-15T21:50:46.638" v="364" actId="164"/>
+          <ac:picMkLst>
+            <pc:docMk/>
+            <pc:sldMk cId="476744453" sldId="257"/>
+            <ac:picMk id="13" creationId="{570121BD-A846-A074-4C25-1A8E9DA83CC2}"/>
+          </ac:picMkLst>
+        </pc:picChg>
+        <pc:picChg chg="mod">
+          <ac:chgData name="Raymond Deleu" userId="068f976be0c9fe56" providerId="LiveId" clId="{529009C1-B03F-49D1-A94D-5E52E30A2B73}" dt="2022-06-15T22:19:04.764" v="752" actId="207"/>
+          <ac:picMkLst>
+            <pc:docMk/>
+            <pc:sldMk cId="476744453" sldId="257"/>
+            <ac:picMk id="15" creationId="{5D156BD5-C6EB-21F1-CADD-585605B60C23}"/>
+          </ac:picMkLst>
+        </pc:picChg>
+        <pc:picChg chg="add mod">
+          <ac:chgData name="Raymond Deleu" userId="068f976be0c9fe56" providerId="LiveId" clId="{529009C1-B03F-49D1-A94D-5E52E30A2B73}" dt="2022-06-15T22:08:25.398" v="703" actId="1076"/>
+          <ac:picMkLst>
+            <pc:docMk/>
+            <pc:sldMk cId="476744453" sldId="257"/>
+            <ac:picMk id="17" creationId="{D4FB536B-4A2C-4CD2-D844-8E33AAAD1958}"/>
+          </ac:picMkLst>
+        </pc:picChg>
+        <pc:picChg chg="mod">
+          <ac:chgData name="Raymond Deleu" userId="068f976be0c9fe56" providerId="LiveId" clId="{529009C1-B03F-49D1-A94D-5E52E30A2B73}" dt="2022-06-15T22:14:16.181" v="749" actId="14100"/>
+          <ac:picMkLst>
+            <pc:docMk/>
+            <pc:sldMk cId="476744453" sldId="257"/>
+            <ac:picMk id="19" creationId="{EAC294CD-F18F-9B7A-F977-9E664D18C738}"/>
+          </ac:picMkLst>
+        </pc:picChg>
+        <pc:picChg chg="mod">
+          <ac:chgData name="Raymond Deleu" userId="068f976be0c9fe56" providerId="LiveId" clId="{529009C1-B03F-49D1-A94D-5E52E30A2B73}" dt="2022-06-15T22:08:25.398" v="703" actId="1076"/>
+          <ac:picMkLst>
+            <pc:docMk/>
+            <pc:sldMk cId="476744453" sldId="257"/>
+            <ac:picMk id="21" creationId="{DE2F09DF-6411-28CE-D922-8FA25121219E}"/>
+          </ac:picMkLst>
+        </pc:picChg>
+        <pc:picChg chg="mod">
+          <ac:chgData name="Raymond Deleu" userId="068f976be0c9fe56" providerId="LiveId" clId="{529009C1-B03F-49D1-A94D-5E52E30A2B73}" dt="2022-06-15T22:19:22.910" v="761" actId="207"/>
+          <ac:picMkLst>
+            <pc:docMk/>
+            <pc:sldMk cId="476744453" sldId="257"/>
+            <ac:picMk id="35" creationId="{E8F89744-9FB3-EEBC-60AE-247AF7995DBD}"/>
+          </ac:picMkLst>
+        </pc:picChg>
+        <pc:picChg chg="add mod">
+          <ac:chgData name="Raymond Deleu" userId="068f976be0c9fe56" providerId="LiveId" clId="{529009C1-B03F-49D1-A94D-5E52E30A2B73}" dt="2022-06-15T22:42:06.337" v="901" actId="1076"/>
+          <ac:picMkLst>
+            <pc:docMk/>
+            <pc:sldMk cId="476744453" sldId="257"/>
+            <ac:picMk id="60" creationId="{CF47C0BD-12F8-8BA3-28BF-453B47BD611C}"/>
+          </ac:picMkLst>
+        </pc:picChg>
+        <pc:picChg chg="add mod">
+          <ac:chgData name="Raymond Deleu" userId="068f976be0c9fe56" providerId="LiveId" clId="{529009C1-B03F-49D1-A94D-5E52E30A2B73}" dt="2022-06-15T22:33:21.694" v="859" actId="14100"/>
+          <ac:picMkLst>
+            <pc:docMk/>
+            <pc:sldMk cId="476744453" sldId="257"/>
+            <ac:picMk id="63" creationId="{9F143A53-365C-A2A9-945C-2B3FE400C053}"/>
+          </ac:picMkLst>
+        </pc:picChg>
+        <pc:picChg chg="add del mod">
+          <ac:chgData name="Raymond Deleu" userId="068f976be0c9fe56" providerId="LiveId" clId="{529009C1-B03F-49D1-A94D-5E52E30A2B73}" dt="2022-06-15T22:38:42.296" v="865" actId="478"/>
+          <ac:picMkLst>
+            <pc:docMk/>
+            <pc:sldMk cId="476744453" sldId="257"/>
+            <ac:picMk id="67" creationId="{B7A5B19A-08B3-43CE-151C-AFC3CD36AB9E}"/>
+          </ac:picMkLst>
+        </pc:picChg>
+        <pc:picChg chg="add mod">
+          <ac:chgData name="Raymond Deleu" userId="068f976be0c9fe56" providerId="LiveId" clId="{529009C1-B03F-49D1-A94D-5E52E30A2B73}" dt="2022-06-15T22:40:20.636" v="889" actId="1036"/>
+          <ac:picMkLst>
+            <pc:docMk/>
+            <pc:sldMk cId="476744453" sldId="257"/>
+            <ac:picMk id="69" creationId="{C2D63637-6DD2-DA8E-0C96-B3F855C916C5}"/>
+          </ac:picMkLst>
+        </pc:picChg>
+        <pc:cxnChg chg="mod">
+          <ac:chgData name="Raymond Deleu" userId="068f976be0c9fe56" providerId="LiveId" clId="{529009C1-B03F-49D1-A94D-5E52E30A2B73}" dt="2022-06-15T22:47:15.495" v="924" actId="208"/>
+          <ac:cxnSpMkLst>
+            <pc:docMk/>
+            <pc:sldMk cId="476744453" sldId="257"/>
+            <ac:cxnSpMk id="3" creationId="{65AD5B53-9EFF-F6F6-DA43-48499D174466}"/>
+          </ac:cxnSpMkLst>
+        </pc:cxnChg>
+        <pc:cxnChg chg="mod">
+          <ac:chgData name="Raymond Deleu" userId="068f976be0c9fe56" providerId="LiveId" clId="{529009C1-B03F-49D1-A94D-5E52E30A2B73}" dt="2022-06-15T22:47:11.527" v="923" actId="208"/>
+          <ac:cxnSpMkLst>
+            <pc:docMk/>
+            <pc:sldMk cId="476744453" sldId="257"/>
+            <ac:cxnSpMk id="37" creationId="{9F3F3CD4-4595-19AD-F91F-F0748C70D03F}"/>
+          </ac:cxnSpMkLst>
+        </pc:cxnChg>
+        <pc:cxnChg chg="mod">
+          <ac:chgData name="Raymond Deleu" userId="068f976be0c9fe56" providerId="LiveId" clId="{529009C1-B03F-49D1-A94D-5E52E30A2B73}" dt="2022-06-15T22:47:19.120" v="925" actId="208"/>
+          <ac:cxnSpMkLst>
+            <pc:docMk/>
+            <pc:sldMk cId="476744453" sldId="257"/>
+            <ac:cxnSpMk id="38" creationId="{E2D8A3F9-B335-F555-2232-29D403A6AC8F}"/>
+          </ac:cxnSpMkLst>
+        </pc:cxnChg>
+        <pc:cxnChg chg="mod">
+          <ac:chgData name="Raymond Deleu" userId="068f976be0c9fe56" providerId="LiveId" clId="{529009C1-B03F-49D1-A94D-5E52E30A2B73}" dt="2022-06-15T22:47:22.655" v="926" actId="208"/>
+          <ac:cxnSpMkLst>
+            <pc:docMk/>
+            <pc:sldMk cId="476744453" sldId="257"/>
+            <ac:cxnSpMk id="39" creationId="{6C474675-8790-7AF1-DD23-19B2E13E4ACB}"/>
+          </ac:cxnSpMkLst>
+        </pc:cxnChg>
+        <pc:cxnChg chg="mod">
+          <ac:chgData name="Raymond Deleu" userId="068f976be0c9fe56" providerId="LiveId" clId="{529009C1-B03F-49D1-A94D-5E52E30A2B73}" dt="2022-06-15T22:47:26.710" v="927" actId="208"/>
+          <ac:cxnSpMkLst>
+            <pc:docMk/>
+            <pc:sldMk cId="476744453" sldId="257"/>
+            <ac:cxnSpMk id="40" creationId="{709E400E-9D0A-197A-AAD0-D9F50D977ACB}"/>
+          </ac:cxnSpMkLst>
+        </pc:cxnChg>
+        <pc:cxnChg chg="mod">
+          <ac:chgData name="Raymond Deleu" userId="068f976be0c9fe56" providerId="LiveId" clId="{529009C1-B03F-49D1-A94D-5E52E30A2B73}" dt="2022-06-15T22:47:30.079" v="928" actId="208"/>
+          <ac:cxnSpMkLst>
+            <pc:docMk/>
+            <pc:sldMk cId="476744453" sldId="257"/>
+            <ac:cxnSpMk id="41" creationId="{C18DF26A-0A1D-7C95-B7A2-E94F16BB915F}"/>
+          </ac:cxnSpMkLst>
+        </pc:cxnChg>
+        <pc:cxnChg chg="add del mod">
+          <ac:chgData name="Raymond Deleu" userId="068f976be0c9fe56" providerId="LiveId" clId="{529009C1-B03F-49D1-A94D-5E52E30A2B73}" dt="2022-06-15T22:45:23.578" v="914" actId="478"/>
+          <ac:cxnSpMkLst>
+            <pc:docMk/>
+            <pc:sldMk cId="476744453" sldId="257"/>
+            <ac:cxnSpMk id="51" creationId="{762453DF-8813-A005-20AA-A242B9746F19}"/>
           </ac:cxnSpMkLst>
         </pc:cxnChg>
       </pc:sldChg>
@@ -621,7 +1133,7 @@
           <a:p>
             <a:fld id="{0A4549F9-7634-4C1F-8FEE-70FB22729492}" type="datetimeFigureOut">
               <a:rPr lang="en-US" smtClean="0"/>
-              <a:t>6/14/2022</a:t>
+              <a:t>6/15/2022</a:t>
             </a:fld>
             <a:endParaRPr lang="en-US"/>
           </a:p>
@@ -821,7 +1333,7 @@
           <a:p>
             <a:fld id="{0A4549F9-7634-4C1F-8FEE-70FB22729492}" type="datetimeFigureOut">
               <a:rPr lang="en-US" smtClean="0"/>
-              <a:t>6/14/2022</a:t>
+              <a:t>6/15/2022</a:t>
             </a:fld>
             <a:endParaRPr lang="en-US"/>
           </a:p>
@@ -1031,7 +1543,7 @@
           <a:p>
             <a:fld id="{0A4549F9-7634-4C1F-8FEE-70FB22729492}" type="datetimeFigureOut">
               <a:rPr lang="en-US" smtClean="0"/>
-              <a:t>6/14/2022</a:t>
+              <a:t>6/15/2022</a:t>
             </a:fld>
             <a:endParaRPr lang="en-US"/>
           </a:p>
@@ -1231,7 +1743,7 @@
           <a:p>
             <a:fld id="{0A4549F9-7634-4C1F-8FEE-70FB22729492}" type="datetimeFigureOut">
               <a:rPr lang="en-US" smtClean="0"/>
-              <a:t>6/14/2022</a:t>
+              <a:t>6/15/2022</a:t>
             </a:fld>
             <a:endParaRPr lang="en-US"/>
           </a:p>
@@ -1507,7 +2019,7 @@
           <a:p>
             <a:fld id="{0A4549F9-7634-4C1F-8FEE-70FB22729492}" type="datetimeFigureOut">
               <a:rPr lang="en-US" smtClean="0"/>
-              <a:t>6/14/2022</a:t>
+              <a:t>6/15/2022</a:t>
             </a:fld>
             <a:endParaRPr lang="en-US"/>
           </a:p>
@@ -1775,7 +2287,7 @@
           <a:p>
             <a:fld id="{0A4549F9-7634-4C1F-8FEE-70FB22729492}" type="datetimeFigureOut">
               <a:rPr lang="en-US" smtClean="0"/>
-              <a:t>6/14/2022</a:t>
+              <a:t>6/15/2022</a:t>
             </a:fld>
             <a:endParaRPr lang="en-US"/>
           </a:p>
@@ -2190,7 +2702,7 @@
           <a:p>
             <a:fld id="{0A4549F9-7634-4C1F-8FEE-70FB22729492}" type="datetimeFigureOut">
               <a:rPr lang="en-US" smtClean="0"/>
-              <a:t>6/14/2022</a:t>
+              <a:t>6/15/2022</a:t>
             </a:fld>
             <a:endParaRPr lang="en-US"/>
           </a:p>
@@ -2332,7 +2844,7 @@
           <a:p>
             <a:fld id="{0A4549F9-7634-4C1F-8FEE-70FB22729492}" type="datetimeFigureOut">
               <a:rPr lang="en-US" smtClean="0"/>
-              <a:t>6/14/2022</a:t>
+              <a:t>6/15/2022</a:t>
             </a:fld>
             <a:endParaRPr lang="en-US"/>
           </a:p>
@@ -2445,7 +2957,7 @@
           <a:p>
             <a:fld id="{0A4549F9-7634-4C1F-8FEE-70FB22729492}" type="datetimeFigureOut">
               <a:rPr lang="en-US" smtClean="0"/>
-              <a:t>6/14/2022</a:t>
+              <a:t>6/15/2022</a:t>
             </a:fld>
             <a:endParaRPr lang="en-US"/>
           </a:p>
@@ -2758,7 +3270,7 @@
           <a:p>
             <a:fld id="{0A4549F9-7634-4C1F-8FEE-70FB22729492}" type="datetimeFigureOut">
               <a:rPr lang="en-US" smtClean="0"/>
-              <a:t>6/14/2022</a:t>
+              <a:t>6/15/2022</a:t>
             </a:fld>
             <a:endParaRPr lang="en-US"/>
           </a:p>
@@ -3047,7 +3559,7 @@
           <a:p>
             <a:fld id="{0A4549F9-7634-4C1F-8FEE-70FB22729492}" type="datetimeFigureOut">
               <a:rPr lang="en-US" smtClean="0"/>
-              <a:t>6/14/2022</a:t>
+              <a:t>6/15/2022</a:t>
             </a:fld>
             <a:endParaRPr lang="en-US"/>
           </a:p>
@@ -3290,7 +3802,7 @@
           <a:p>
             <a:fld id="{0A4549F9-7634-4C1F-8FEE-70FB22729492}" type="datetimeFigureOut">
               <a:rPr lang="en-US" smtClean="0"/>
-              <a:t>6/14/2022</a:t>
+              <a:t>6/15/2022</a:t>
             </a:fld>
             <a:endParaRPr lang="en-US"/>
           </a:p>
@@ -5318,6 +5830,2526 @@
 </p:sld>
 </file>
 
+<file path=ppt/slides/slide2.xml><?xml version="1.0" encoding="utf-8"?>
+<p:sld xmlns:a="http://schemas.openxmlformats.org/drawingml/2006/main" xmlns:r="http://schemas.openxmlformats.org/officeDocument/2006/relationships" xmlns:p="http://schemas.openxmlformats.org/presentationml/2006/main">
+  <p:cSld>
+    <p:spTree>
+      <p:nvGrpSpPr>
+        <p:cNvPr id="1" name=""/>
+        <p:cNvGrpSpPr/>
+        <p:nvPr/>
+      </p:nvGrpSpPr>
+      <p:grpSpPr>
+        <a:xfrm>
+          <a:off x="0" y="0"/>
+          <a:ext cx="0" cy="0"/>
+          <a:chOff x="0" y="0"/>
+          <a:chExt cx="0" cy="0"/>
+        </a:xfrm>
+      </p:grpSpPr>
+      <p:sp>
+        <p:nvSpPr>
+          <p:cNvPr id="61" name="Rechthoek: afgeronde hoeken 60">
+            <a:extLst>
+              <a:ext uri="{FF2B5EF4-FFF2-40B4-BE49-F238E27FC236}">
+                <a16:creationId xmlns:a16="http://schemas.microsoft.com/office/drawing/2014/main" id="{B96C0835-9971-32D7-D974-80B281584D77}"/>
+              </a:ext>
+            </a:extLst>
+          </p:cNvPr>
+          <p:cNvSpPr/>
+          <p:nvPr/>
+        </p:nvSpPr>
+        <p:spPr>
+          <a:xfrm>
+            <a:off x="191728" y="6155344"/>
+            <a:ext cx="11441526" cy="652193"/>
+          </a:xfrm>
+          <a:prstGeom prst="roundRect">
+            <a:avLst>
+              <a:gd name="adj" fmla="val 18545"/>
+            </a:avLst>
+          </a:prstGeom>
+          <a:solidFill>
+            <a:srgbClr val="C5D6DD"/>
+          </a:solidFill>
+          <a:ln>
+            <a:noFill/>
+          </a:ln>
+        </p:spPr>
+        <p:style>
+          <a:lnRef idx="2">
+            <a:schemeClr val="accent1">
+              <a:shade val="50000"/>
+            </a:schemeClr>
+          </a:lnRef>
+          <a:fillRef idx="1">
+            <a:schemeClr val="accent1"/>
+          </a:fillRef>
+          <a:effectRef idx="0">
+            <a:schemeClr val="accent1"/>
+          </a:effectRef>
+          <a:fontRef idx="minor">
+            <a:schemeClr val="lt1"/>
+          </a:fontRef>
+        </p:style>
+        <p:txBody>
+          <a:bodyPr rtlCol="0" anchor="ctr"/>
+          <a:lstStyle/>
+          <a:p>
+            <a:pPr algn="ctr"/>
+            <a:endParaRPr lang="en-US"/>
+          </a:p>
+        </p:txBody>
+      </p:sp>
+      <p:sp>
+        <p:nvSpPr>
+          <p:cNvPr id="18" name="Rechthoek: afgeronde hoeken 17">
+            <a:extLst>
+              <a:ext uri="{FF2B5EF4-FFF2-40B4-BE49-F238E27FC236}">
+                <a16:creationId xmlns:a16="http://schemas.microsoft.com/office/drawing/2014/main" id="{63B3D650-7E34-6347-8A04-CF27E14E949B}"/>
+              </a:ext>
+            </a:extLst>
+          </p:cNvPr>
+          <p:cNvSpPr/>
+          <p:nvPr/>
+        </p:nvSpPr>
+        <p:spPr>
+          <a:xfrm>
+            <a:off x="215739" y="2162630"/>
+            <a:ext cx="11441526" cy="1832664"/>
+          </a:xfrm>
+          <a:prstGeom prst="roundRect">
+            <a:avLst>
+              <a:gd name="adj" fmla="val 9120"/>
+            </a:avLst>
+          </a:prstGeom>
+          <a:solidFill>
+            <a:srgbClr val="C5D6DD"/>
+          </a:solidFill>
+          <a:ln>
+            <a:solidFill>
+              <a:srgbClr val="30576A"/>
+            </a:solidFill>
+          </a:ln>
+        </p:spPr>
+        <p:style>
+          <a:lnRef idx="2">
+            <a:schemeClr val="accent1">
+              <a:shade val="50000"/>
+            </a:schemeClr>
+          </a:lnRef>
+          <a:fillRef idx="1">
+            <a:schemeClr val="accent1"/>
+          </a:fillRef>
+          <a:effectRef idx="0">
+            <a:schemeClr val="accent1"/>
+          </a:effectRef>
+          <a:fontRef idx="minor">
+            <a:schemeClr val="lt1"/>
+          </a:fontRef>
+        </p:style>
+        <p:txBody>
+          <a:bodyPr rtlCol="0" anchor="ctr"/>
+          <a:lstStyle/>
+          <a:p>
+            <a:pPr algn="ctr"/>
+            <a:endParaRPr lang="en-US"/>
+          </a:p>
+        </p:txBody>
+      </p:sp>
+      <p:pic>
+        <p:nvPicPr>
+          <p:cNvPr id="5" name="Afbeelding 4">
+            <a:extLst>
+              <a:ext uri="{FF2B5EF4-FFF2-40B4-BE49-F238E27FC236}">
+                <a16:creationId xmlns:a16="http://schemas.microsoft.com/office/drawing/2014/main" id="{04F34B04-6457-D7CF-6A6E-42216C3351A2}"/>
+              </a:ext>
+            </a:extLst>
+          </p:cNvPr>
+          <p:cNvPicPr>
+            <a:picLocks noChangeAspect="1"/>
+          </p:cNvPicPr>
+          <p:nvPr/>
+        </p:nvPicPr>
+        <p:blipFill>
+          <a:blip r:embed="rId2"/>
+          <a:stretch>
+            <a:fillRect/>
+          </a:stretch>
+        </p:blipFill>
+        <p:spPr>
+          <a:xfrm>
+            <a:off x="307947" y="2289447"/>
+            <a:ext cx="1810895" cy="1563638"/>
+          </a:xfrm>
+          <a:prstGeom prst="rect">
+            <a:avLst/>
+          </a:prstGeom>
+        </p:spPr>
+      </p:pic>
+      <p:pic>
+        <p:nvPicPr>
+          <p:cNvPr id="7" name="Afbeelding 6">
+            <a:extLst>
+              <a:ext uri="{FF2B5EF4-FFF2-40B4-BE49-F238E27FC236}">
+                <a16:creationId xmlns:a16="http://schemas.microsoft.com/office/drawing/2014/main" id="{0DD5090A-9528-481C-6787-0569DBC8399F}"/>
+              </a:ext>
+            </a:extLst>
+          </p:cNvPr>
+          <p:cNvPicPr>
+            <a:picLocks noChangeAspect="1"/>
+          </p:cNvPicPr>
+          <p:nvPr/>
+        </p:nvPicPr>
+        <p:blipFill rotWithShape="1">
+          <a:blip r:embed="rId3"/>
+          <a:srcRect r="6776" b="7863"/>
+          <a:stretch/>
+        </p:blipFill>
+        <p:spPr>
+          <a:xfrm>
+            <a:off x="2658641" y="2412391"/>
+            <a:ext cx="1810894" cy="1440693"/>
+          </a:xfrm>
+          <a:prstGeom prst="rect">
+            <a:avLst/>
+          </a:prstGeom>
+        </p:spPr>
+      </p:pic>
+      <p:pic>
+        <p:nvPicPr>
+          <p:cNvPr id="9" name="Afbeelding 8">
+            <a:extLst>
+              <a:ext uri="{FF2B5EF4-FFF2-40B4-BE49-F238E27FC236}">
+                <a16:creationId xmlns:a16="http://schemas.microsoft.com/office/drawing/2014/main" id="{64A407DA-6AD6-A4B5-B691-365E17227226}"/>
+              </a:ext>
+            </a:extLst>
+          </p:cNvPr>
+          <p:cNvPicPr>
+            <a:picLocks noChangeAspect="1"/>
+          </p:cNvPicPr>
+          <p:nvPr/>
+        </p:nvPicPr>
+        <p:blipFill>
+          <a:blip r:embed="rId4"/>
+          <a:stretch>
+            <a:fillRect/>
+          </a:stretch>
+        </p:blipFill>
+        <p:spPr>
+          <a:xfrm>
+            <a:off x="4985723" y="2289447"/>
+            <a:ext cx="1810894" cy="1563638"/>
+          </a:xfrm>
+          <a:prstGeom prst="rect">
+            <a:avLst/>
+          </a:prstGeom>
+        </p:spPr>
+      </p:pic>
+      <p:pic>
+        <p:nvPicPr>
+          <p:cNvPr id="19" name="Afbeelding 18">
+            <a:extLst>
+              <a:ext uri="{FF2B5EF4-FFF2-40B4-BE49-F238E27FC236}">
+                <a16:creationId xmlns:a16="http://schemas.microsoft.com/office/drawing/2014/main" id="{EAC294CD-F18F-9B7A-F977-9E664D18C738}"/>
+              </a:ext>
+            </a:extLst>
+          </p:cNvPr>
+          <p:cNvPicPr>
+            <a:picLocks noChangeAspect="1"/>
+          </p:cNvPicPr>
+          <p:nvPr/>
+        </p:nvPicPr>
+        <p:blipFill rotWithShape="1">
+          <a:blip r:embed="rId5"/>
+          <a:srcRect r="10201" b="7863"/>
+          <a:stretch/>
+        </p:blipFill>
+        <p:spPr>
+          <a:xfrm>
+            <a:off x="7338252" y="2412391"/>
+            <a:ext cx="1802436" cy="1440693"/>
+          </a:xfrm>
+          <a:prstGeom prst="rect">
+            <a:avLst/>
+          </a:prstGeom>
+        </p:spPr>
+      </p:pic>
+      <p:pic>
+        <p:nvPicPr>
+          <p:cNvPr id="21" name="Afbeelding 20">
+            <a:extLst>
+              <a:ext uri="{FF2B5EF4-FFF2-40B4-BE49-F238E27FC236}">
+                <a16:creationId xmlns:a16="http://schemas.microsoft.com/office/drawing/2014/main" id="{DE2F09DF-6411-28CE-D922-8FA25121219E}"/>
+              </a:ext>
+            </a:extLst>
+          </p:cNvPr>
+          <p:cNvPicPr>
+            <a:picLocks noChangeAspect="1"/>
+          </p:cNvPicPr>
+          <p:nvPr/>
+        </p:nvPicPr>
+        <p:blipFill rotWithShape="1">
+          <a:blip r:embed="rId6"/>
+          <a:srcRect r="3389" b="6439"/>
+          <a:stretch/>
+        </p:blipFill>
+        <p:spPr>
+          <a:xfrm>
+            <a:off x="9671992" y="2558725"/>
+            <a:ext cx="1810895" cy="1313620"/>
+          </a:xfrm>
+          <a:prstGeom prst="rect">
+            <a:avLst/>
+          </a:prstGeom>
+        </p:spPr>
+      </p:pic>
+      <p:sp>
+        <p:nvSpPr>
+          <p:cNvPr id="22" name="Tekstvak 21">
+            <a:extLst>
+              <a:ext uri="{FF2B5EF4-FFF2-40B4-BE49-F238E27FC236}">
+                <a16:creationId xmlns:a16="http://schemas.microsoft.com/office/drawing/2014/main" id="{2BDF4616-4A7A-A319-8AAC-82403E25FA3B}"/>
+              </a:ext>
+            </a:extLst>
+          </p:cNvPr>
+          <p:cNvSpPr txBox="1"/>
+          <p:nvPr/>
+        </p:nvSpPr>
+        <p:spPr>
+          <a:xfrm>
+            <a:off x="307946" y="2289447"/>
+            <a:ext cx="1810895" cy="276999"/>
+          </a:xfrm>
+          <a:prstGeom prst="rect">
+            <a:avLst/>
+          </a:prstGeom>
+          <a:solidFill>
+            <a:srgbClr val="5F8FA3"/>
+          </a:solidFill>
+        </p:spPr>
+        <p:txBody>
+          <a:bodyPr wrap="square" rtlCol="0">
+            <a:spAutoFit/>
+          </a:bodyPr>
+          <a:lstStyle/>
+          <a:p>
+            <a:r>
+              <a:rPr lang="nl-NL" sz="1200" b="1">
+                <a:solidFill>
+                  <a:schemeClr val="bg1"/>
+                </a:solidFill>
+                <a:latin typeface="Consolas" panose="020B0609020204030204" pitchFamily="49" charset="0"/>
+              </a:rPr>
+              <a:t>Sketch</a:t>
+            </a:r>
+            <a:endParaRPr lang="en-US" sz="1200" b="1">
+              <a:solidFill>
+                <a:schemeClr val="bg1"/>
+              </a:solidFill>
+              <a:latin typeface="Consolas" panose="020B0609020204030204" pitchFamily="49" charset="0"/>
+            </a:endParaRPr>
+          </a:p>
+        </p:txBody>
+      </p:sp>
+      <p:sp>
+        <p:nvSpPr>
+          <p:cNvPr id="23" name="Tekstvak 22">
+            <a:extLst>
+              <a:ext uri="{FF2B5EF4-FFF2-40B4-BE49-F238E27FC236}">
+                <a16:creationId xmlns:a16="http://schemas.microsoft.com/office/drawing/2014/main" id="{FDABC0EE-7FB5-1F36-D803-2C875D0FA845}"/>
+              </a:ext>
+            </a:extLst>
+          </p:cNvPr>
+          <p:cNvSpPr txBox="1"/>
+          <p:nvPr/>
+        </p:nvSpPr>
+        <p:spPr>
+          <a:xfrm>
+            <a:off x="2658639" y="2289446"/>
+            <a:ext cx="1810895" cy="276999"/>
+          </a:xfrm>
+          <a:prstGeom prst="rect">
+            <a:avLst/>
+          </a:prstGeom>
+          <a:solidFill>
+            <a:srgbClr val="5F8FA3"/>
+          </a:solidFill>
+        </p:spPr>
+        <p:txBody>
+          <a:bodyPr wrap="square" rtlCol="0">
+            <a:spAutoFit/>
+          </a:bodyPr>
+          <a:lstStyle/>
+          <a:p>
+            <a:r>
+              <a:rPr lang="nl-NL" sz="1200" b="1">
+                <a:solidFill>
+                  <a:schemeClr val="bg1"/>
+                </a:solidFill>
+                <a:latin typeface="Consolas" panose="020B0609020204030204" pitchFamily="49" charset="0"/>
+              </a:rPr>
+              <a:t>Create</a:t>
+            </a:r>
+            <a:r>
+              <a:rPr lang="nl-NL" sz="1200" b="1">
+                <a:latin typeface="Consolas" panose="020B0609020204030204" pitchFamily="49" charset="0"/>
+              </a:rPr>
+              <a:t> </a:t>
+            </a:r>
+            <a:r>
+              <a:rPr lang="nl-NL" sz="1200" b="1">
+                <a:solidFill>
+                  <a:schemeClr val="bg1"/>
+                </a:solidFill>
+                <a:latin typeface="Consolas" panose="020B0609020204030204" pitchFamily="49" charset="0"/>
+              </a:rPr>
+              <a:t>shapes</a:t>
+            </a:r>
+            <a:endParaRPr lang="en-US" sz="1200" b="1">
+              <a:solidFill>
+                <a:schemeClr val="bg1"/>
+              </a:solidFill>
+              <a:latin typeface="Consolas" panose="020B0609020204030204" pitchFamily="49" charset="0"/>
+            </a:endParaRPr>
+          </a:p>
+        </p:txBody>
+      </p:sp>
+      <p:grpSp>
+        <p:nvGrpSpPr>
+          <p:cNvPr id="2" name="Groep 1">
+            <a:extLst>
+              <a:ext uri="{FF2B5EF4-FFF2-40B4-BE49-F238E27FC236}">
+                <a16:creationId xmlns:a16="http://schemas.microsoft.com/office/drawing/2014/main" id="{9F9EC600-3EBA-57B2-7911-7B5821536D04}"/>
+              </a:ext>
+            </a:extLst>
+          </p:cNvPr>
+          <p:cNvGrpSpPr/>
+          <p:nvPr/>
+        </p:nvGrpSpPr>
+        <p:grpSpPr>
+          <a:xfrm>
+            <a:off x="4976680" y="88062"/>
+            <a:ext cx="1810896" cy="1625455"/>
+            <a:chOff x="4855316" y="4675752"/>
+            <a:chExt cx="1810896" cy="1625455"/>
+          </a:xfrm>
+          <a:solidFill>
+            <a:srgbClr val="5F8FA3"/>
+          </a:solidFill>
+        </p:grpSpPr>
+        <p:pic>
+          <p:nvPicPr>
+            <p:cNvPr id="15" name="Afbeelding 14">
+              <a:extLst>
+                <a:ext uri="{FF2B5EF4-FFF2-40B4-BE49-F238E27FC236}">
+                  <a16:creationId xmlns:a16="http://schemas.microsoft.com/office/drawing/2014/main" id="{5D156BD5-C6EB-21F1-CADD-585605B60C23}"/>
+                </a:ext>
+              </a:extLst>
+            </p:cNvPr>
+            <p:cNvPicPr>
+              <a:picLocks noChangeAspect="1"/>
+            </p:cNvPicPr>
+            <p:nvPr/>
+          </p:nvPicPr>
+          <p:blipFill rotWithShape="1">
+            <a:blip r:embed="rId7"/>
+            <a:srcRect r="6776"/>
+            <a:stretch/>
+          </p:blipFill>
+          <p:spPr>
+            <a:xfrm>
+              <a:off x="4855318" y="4675752"/>
+              <a:ext cx="1810894" cy="1625455"/>
+            </a:xfrm>
+            <a:prstGeom prst="rect">
+              <a:avLst/>
+            </a:prstGeom>
+            <a:grpFill/>
+          </p:spPr>
+        </p:pic>
+        <p:sp>
+          <p:nvSpPr>
+            <p:cNvPr id="24" name="Tekstvak 23">
+              <a:extLst>
+                <a:ext uri="{FF2B5EF4-FFF2-40B4-BE49-F238E27FC236}">
+                  <a16:creationId xmlns:a16="http://schemas.microsoft.com/office/drawing/2014/main" id="{A836C81B-C14E-EEC8-8AFB-6B6956909C95}"/>
+                </a:ext>
+              </a:extLst>
+            </p:cNvPr>
+            <p:cNvSpPr txBox="1"/>
+            <p:nvPr/>
+          </p:nvSpPr>
+          <p:spPr>
+            <a:xfrm>
+              <a:off x="4855316" y="4675752"/>
+              <a:ext cx="1810895" cy="276999"/>
+            </a:xfrm>
+            <a:prstGeom prst="rect">
+              <a:avLst/>
+            </a:prstGeom>
+            <a:grpFill/>
+          </p:spPr>
+          <p:txBody>
+            <a:bodyPr wrap="square" rtlCol="0">
+              <a:spAutoFit/>
+            </a:bodyPr>
+            <a:lstStyle/>
+            <a:p>
+              <a:r>
+                <a:rPr lang="nl-NL" sz="1200">
+                  <a:solidFill>
+                    <a:schemeClr val="bg1"/>
+                  </a:solidFill>
+                  <a:latin typeface="Consolas" panose="020B0609020204030204" pitchFamily="49" charset="0"/>
+                </a:rPr>
+                <a:t>Pre-baked shapes</a:t>
+              </a:r>
+              <a:endParaRPr lang="en-US" sz="1200">
+                <a:solidFill>
+                  <a:schemeClr val="bg1"/>
+                </a:solidFill>
+                <a:latin typeface="Consolas" panose="020B0609020204030204" pitchFamily="49" charset="0"/>
+              </a:endParaRPr>
+            </a:p>
+          </p:txBody>
+        </p:sp>
+      </p:grpSp>
+      <p:grpSp>
+        <p:nvGrpSpPr>
+          <p:cNvPr id="8" name="Groep 7">
+            <a:extLst>
+              <a:ext uri="{FF2B5EF4-FFF2-40B4-BE49-F238E27FC236}">
+                <a16:creationId xmlns:a16="http://schemas.microsoft.com/office/drawing/2014/main" id="{2597C9A4-A509-E4DA-FF74-5F744B6AE523}"/>
+              </a:ext>
+            </a:extLst>
+          </p:cNvPr>
+          <p:cNvGrpSpPr/>
+          <p:nvPr/>
+        </p:nvGrpSpPr>
+        <p:grpSpPr>
+          <a:xfrm>
+            <a:off x="2740533" y="118932"/>
+            <a:ext cx="1833694" cy="1525488"/>
+            <a:chOff x="2471005" y="4695013"/>
+            <a:chExt cx="1833694" cy="1525488"/>
+          </a:xfrm>
+        </p:grpSpPr>
+        <p:pic>
+          <p:nvPicPr>
+            <p:cNvPr id="11" name="Afbeelding 10">
+              <a:extLst>
+                <a:ext uri="{FF2B5EF4-FFF2-40B4-BE49-F238E27FC236}">
+                  <a16:creationId xmlns:a16="http://schemas.microsoft.com/office/drawing/2014/main" id="{BB97E210-DFB4-22BC-A8E1-ADEF4E043E8D}"/>
+                </a:ext>
+              </a:extLst>
+            </p:cNvPr>
+            <p:cNvPicPr>
+              <a:picLocks noChangeAspect="1"/>
+            </p:cNvPicPr>
+            <p:nvPr/>
+          </p:nvPicPr>
+          <p:blipFill>
+            <a:blip r:embed="rId8"/>
+            <a:stretch>
+              <a:fillRect/>
+            </a:stretch>
+          </p:blipFill>
+          <p:spPr>
+            <a:xfrm>
+              <a:off x="2471005" y="4695013"/>
+              <a:ext cx="1328810" cy="1050796"/>
+            </a:xfrm>
+            <a:prstGeom prst="rect">
+              <a:avLst/>
+            </a:prstGeom>
+          </p:spPr>
+        </p:pic>
+        <p:pic>
+          <p:nvPicPr>
+            <p:cNvPr id="13" name="Afbeelding 12">
+              <a:extLst>
+                <a:ext uri="{FF2B5EF4-FFF2-40B4-BE49-F238E27FC236}">
+                  <a16:creationId xmlns:a16="http://schemas.microsoft.com/office/drawing/2014/main" id="{570121BD-A846-A074-4C25-1A8E9DA83CC2}"/>
+                </a:ext>
+              </a:extLst>
+            </p:cNvPr>
+            <p:cNvPicPr>
+              <a:picLocks noChangeAspect="1"/>
+            </p:cNvPicPr>
+            <p:nvPr/>
+          </p:nvPicPr>
+          <p:blipFill rotWithShape="1">
+            <a:blip r:embed="rId9"/>
+            <a:srcRect l="18387" t="32922"/>
+            <a:stretch/>
+          </p:blipFill>
+          <p:spPr>
+            <a:xfrm>
+              <a:off x="3167968" y="5469015"/>
+              <a:ext cx="1136731" cy="751486"/>
+            </a:xfrm>
+            <a:prstGeom prst="rect">
+              <a:avLst/>
+            </a:prstGeom>
+          </p:spPr>
+        </p:pic>
+        <p:sp>
+          <p:nvSpPr>
+            <p:cNvPr id="25" name="Tekstvak 24">
+              <a:extLst>
+                <a:ext uri="{FF2B5EF4-FFF2-40B4-BE49-F238E27FC236}">
+                  <a16:creationId xmlns:a16="http://schemas.microsoft.com/office/drawing/2014/main" id="{8FE175A5-C152-B922-2841-18243D1D28B3}"/>
+                </a:ext>
+              </a:extLst>
+            </p:cNvPr>
+            <p:cNvSpPr txBox="1"/>
+            <p:nvPr/>
+          </p:nvSpPr>
+          <p:spPr>
+            <a:xfrm>
+              <a:off x="2477903" y="4695013"/>
+              <a:ext cx="1810895" cy="276999"/>
+            </a:xfrm>
+            <a:prstGeom prst="rect">
+              <a:avLst/>
+            </a:prstGeom>
+            <a:solidFill>
+              <a:srgbClr val="5F8FA3"/>
+            </a:solidFill>
+          </p:spPr>
+          <p:txBody>
+            <a:bodyPr wrap="square" rtlCol="0">
+              <a:spAutoFit/>
+            </a:bodyPr>
+            <a:lstStyle/>
+            <a:p>
+              <a:r>
+                <a:rPr lang="nl-NL" sz="1200">
+                  <a:solidFill>
+                    <a:schemeClr val="bg1"/>
+                  </a:solidFill>
+                  <a:latin typeface="Consolas" panose="020B0609020204030204" pitchFamily="49" charset="0"/>
+                </a:rPr>
+                <a:t>Pre-baked sketches</a:t>
+              </a:r>
+              <a:endParaRPr lang="en-US" sz="1200">
+                <a:solidFill>
+                  <a:schemeClr val="bg1"/>
+                </a:solidFill>
+                <a:latin typeface="Consolas" panose="020B0609020204030204" pitchFamily="49" charset="0"/>
+              </a:endParaRPr>
+            </a:p>
+          </p:txBody>
+        </p:sp>
+      </p:grpSp>
+      <p:sp>
+        <p:nvSpPr>
+          <p:cNvPr id="26" name="Tekstvak 25">
+            <a:extLst>
+              <a:ext uri="{FF2B5EF4-FFF2-40B4-BE49-F238E27FC236}">
+                <a16:creationId xmlns:a16="http://schemas.microsoft.com/office/drawing/2014/main" id="{007CEC2B-449E-81F6-CE48-F4E17404C6D1}"/>
+              </a:ext>
+            </a:extLst>
+          </p:cNvPr>
+          <p:cNvSpPr txBox="1"/>
+          <p:nvPr/>
+        </p:nvSpPr>
+        <p:spPr>
+          <a:xfrm>
+            <a:off x="4985722" y="2289446"/>
+            <a:ext cx="1810895" cy="276999"/>
+          </a:xfrm>
+          <a:prstGeom prst="rect">
+            <a:avLst/>
+          </a:prstGeom>
+          <a:solidFill>
+            <a:srgbClr val="5F8FA3"/>
+          </a:solidFill>
+        </p:spPr>
+        <p:txBody>
+          <a:bodyPr wrap="square" rtlCol="0">
+            <a:spAutoFit/>
+          </a:bodyPr>
+          <a:lstStyle/>
+          <a:p>
+            <a:r>
+              <a:rPr lang="nl-NL" sz="1200" b="1">
+                <a:solidFill>
+                  <a:schemeClr val="bg1"/>
+                </a:solidFill>
+                <a:latin typeface="Consolas" panose="020B0609020204030204" pitchFamily="49" charset="0"/>
+              </a:rPr>
+              <a:t>Modify</a:t>
+            </a:r>
+            <a:r>
+              <a:rPr lang="nl-NL" sz="1200" b="1">
+                <a:latin typeface="Consolas" panose="020B0609020204030204" pitchFamily="49" charset="0"/>
+              </a:rPr>
+              <a:t> </a:t>
+            </a:r>
+            <a:r>
+              <a:rPr lang="nl-NL" sz="1200" b="1">
+                <a:solidFill>
+                  <a:schemeClr val="bg1"/>
+                </a:solidFill>
+                <a:latin typeface="Consolas" panose="020B0609020204030204" pitchFamily="49" charset="0"/>
+              </a:rPr>
+              <a:t>shapes</a:t>
+            </a:r>
+            <a:endParaRPr lang="en-US" sz="1200" b="1">
+              <a:solidFill>
+                <a:schemeClr val="bg1"/>
+              </a:solidFill>
+              <a:latin typeface="Consolas" panose="020B0609020204030204" pitchFamily="49" charset="0"/>
+            </a:endParaRPr>
+          </a:p>
+        </p:txBody>
+      </p:sp>
+      <p:sp>
+        <p:nvSpPr>
+          <p:cNvPr id="27" name="Tekstvak 26">
+            <a:extLst>
+              <a:ext uri="{FF2B5EF4-FFF2-40B4-BE49-F238E27FC236}">
+                <a16:creationId xmlns:a16="http://schemas.microsoft.com/office/drawing/2014/main" id="{410B2717-2B15-549D-AE05-252C70DF9657}"/>
+              </a:ext>
+            </a:extLst>
+          </p:cNvPr>
+          <p:cNvSpPr txBox="1"/>
+          <p:nvPr/>
+        </p:nvSpPr>
+        <p:spPr>
+          <a:xfrm>
+            <a:off x="7329793" y="2289445"/>
+            <a:ext cx="1810895" cy="276999"/>
+          </a:xfrm>
+          <a:prstGeom prst="rect">
+            <a:avLst/>
+          </a:prstGeom>
+          <a:solidFill>
+            <a:srgbClr val="5F8FA3"/>
+          </a:solidFill>
+        </p:spPr>
+        <p:txBody>
+          <a:bodyPr wrap="square" rtlCol="0">
+            <a:spAutoFit/>
+          </a:bodyPr>
+          <a:lstStyle/>
+          <a:p>
+            <a:r>
+              <a:rPr lang="nl-NL" sz="1200" b="1">
+                <a:solidFill>
+                  <a:schemeClr val="bg1"/>
+                </a:solidFill>
+                <a:latin typeface="Consolas" panose="020B0609020204030204" pitchFamily="49" charset="0"/>
+              </a:rPr>
+              <a:t>Transform</a:t>
+            </a:r>
+            <a:r>
+              <a:rPr lang="nl-NL" sz="1200" b="1">
+                <a:latin typeface="Consolas" panose="020B0609020204030204" pitchFamily="49" charset="0"/>
+              </a:rPr>
+              <a:t> </a:t>
+            </a:r>
+            <a:r>
+              <a:rPr lang="nl-NL" sz="1200" b="1">
+                <a:solidFill>
+                  <a:schemeClr val="bg1"/>
+                </a:solidFill>
+                <a:latin typeface="Consolas" panose="020B0609020204030204" pitchFamily="49" charset="0"/>
+              </a:rPr>
+              <a:t>shapes</a:t>
+            </a:r>
+            <a:endParaRPr lang="en-US" sz="1200" b="1">
+              <a:solidFill>
+                <a:schemeClr val="bg1"/>
+              </a:solidFill>
+              <a:latin typeface="Consolas" panose="020B0609020204030204" pitchFamily="49" charset="0"/>
+            </a:endParaRPr>
+          </a:p>
+        </p:txBody>
+      </p:sp>
+      <p:sp>
+        <p:nvSpPr>
+          <p:cNvPr id="28" name="Tekstvak 27">
+            <a:extLst>
+              <a:ext uri="{FF2B5EF4-FFF2-40B4-BE49-F238E27FC236}">
+                <a16:creationId xmlns:a16="http://schemas.microsoft.com/office/drawing/2014/main" id="{B1EE70EC-EFD7-1CAF-FFA6-B9B49C4E5602}"/>
+              </a:ext>
+            </a:extLst>
+          </p:cNvPr>
+          <p:cNvSpPr txBox="1"/>
+          <p:nvPr/>
+        </p:nvSpPr>
+        <p:spPr>
+          <a:xfrm>
+            <a:off x="9685119" y="2281726"/>
+            <a:ext cx="1810895" cy="276999"/>
+          </a:xfrm>
+          <a:prstGeom prst="rect">
+            <a:avLst/>
+          </a:prstGeom>
+          <a:solidFill>
+            <a:srgbClr val="5F8FA3"/>
+          </a:solidFill>
+        </p:spPr>
+        <p:txBody>
+          <a:bodyPr wrap="square" rtlCol="0">
+            <a:spAutoFit/>
+          </a:bodyPr>
+          <a:lstStyle/>
+          <a:p>
+            <a:r>
+              <a:rPr lang="nl-NL" sz="1200" b="1">
+                <a:solidFill>
+                  <a:schemeClr val="bg1"/>
+                </a:solidFill>
+                <a:latin typeface="Consolas" panose="020B0609020204030204" pitchFamily="49" charset="0"/>
+              </a:rPr>
+              <a:t>Combine</a:t>
+            </a:r>
+            <a:r>
+              <a:rPr lang="nl-NL" sz="1200" b="1">
+                <a:latin typeface="Consolas" panose="020B0609020204030204" pitchFamily="49" charset="0"/>
+              </a:rPr>
+              <a:t> </a:t>
+            </a:r>
+            <a:r>
+              <a:rPr lang="nl-NL" sz="1200" b="1">
+                <a:solidFill>
+                  <a:schemeClr val="bg1"/>
+                </a:solidFill>
+                <a:latin typeface="Consolas" panose="020B0609020204030204" pitchFamily="49" charset="0"/>
+              </a:rPr>
+              <a:t>shapes</a:t>
+            </a:r>
+            <a:endParaRPr lang="en-US" sz="1200" b="1">
+              <a:solidFill>
+                <a:schemeClr val="bg1"/>
+              </a:solidFill>
+              <a:latin typeface="Consolas" panose="020B0609020204030204" pitchFamily="49" charset="0"/>
+            </a:endParaRPr>
+          </a:p>
+        </p:txBody>
+      </p:sp>
+      <p:sp>
+        <p:nvSpPr>
+          <p:cNvPr id="29" name="Pijl: rechts 28">
+            <a:extLst>
+              <a:ext uri="{FF2B5EF4-FFF2-40B4-BE49-F238E27FC236}">
+                <a16:creationId xmlns:a16="http://schemas.microsoft.com/office/drawing/2014/main" id="{07E50AA2-4991-E31E-60A4-56A83C4A759A}"/>
+              </a:ext>
+            </a:extLst>
+          </p:cNvPr>
+          <p:cNvSpPr/>
+          <p:nvPr/>
+        </p:nvSpPr>
+        <p:spPr>
+          <a:xfrm>
+            <a:off x="2126506" y="2886849"/>
+            <a:ext cx="507146" cy="491778"/>
+          </a:xfrm>
+          <a:prstGeom prst="rightArrow">
+            <a:avLst/>
+          </a:prstGeom>
+          <a:solidFill>
+            <a:srgbClr val="5F8FA3"/>
+          </a:solidFill>
+          <a:ln>
+            <a:solidFill>
+              <a:schemeClr val="tx1"/>
+            </a:solidFill>
+          </a:ln>
+        </p:spPr>
+        <p:style>
+          <a:lnRef idx="2">
+            <a:schemeClr val="accent1">
+              <a:shade val="50000"/>
+            </a:schemeClr>
+          </a:lnRef>
+          <a:fillRef idx="1">
+            <a:schemeClr val="accent1"/>
+          </a:fillRef>
+          <a:effectRef idx="0">
+            <a:schemeClr val="accent1"/>
+          </a:effectRef>
+          <a:fontRef idx="minor">
+            <a:schemeClr val="lt1"/>
+          </a:fontRef>
+        </p:style>
+        <p:txBody>
+          <a:bodyPr rtlCol="0" anchor="ctr"/>
+          <a:lstStyle/>
+          <a:p>
+            <a:pPr algn="ctr"/>
+            <a:endParaRPr lang="en-US"/>
+          </a:p>
+        </p:txBody>
+      </p:sp>
+      <p:sp>
+        <p:nvSpPr>
+          <p:cNvPr id="30" name="Pijl: rechts 29">
+            <a:extLst>
+              <a:ext uri="{FF2B5EF4-FFF2-40B4-BE49-F238E27FC236}">
+                <a16:creationId xmlns:a16="http://schemas.microsoft.com/office/drawing/2014/main" id="{21AABDD3-08E5-A5A8-954D-5FE5521BE487}"/>
+              </a:ext>
+            </a:extLst>
+          </p:cNvPr>
+          <p:cNvSpPr/>
+          <p:nvPr/>
+        </p:nvSpPr>
+        <p:spPr>
+          <a:xfrm>
+            <a:off x="4469534" y="2893518"/>
+            <a:ext cx="507146" cy="491778"/>
+          </a:xfrm>
+          <a:prstGeom prst="rightArrow">
+            <a:avLst/>
+          </a:prstGeom>
+          <a:solidFill>
+            <a:srgbClr val="5F8FA3"/>
+          </a:solidFill>
+          <a:ln>
+            <a:solidFill>
+              <a:schemeClr val="tx1"/>
+            </a:solidFill>
+          </a:ln>
+        </p:spPr>
+        <p:style>
+          <a:lnRef idx="2">
+            <a:schemeClr val="accent1">
+              <a:shade val="50000"/>
+            </a:schemeClr>
+          </a:lnRef>
+          <a:fillRef idx="1">
+            <a:schemeClr val="accent1"/>
+          </a:fillRef>
+          <a:effectRef idx="0">
+            <a:schemeClr val="accent1"/>
+          </a:effectRef>
+          <a:fontRef idx="minor">
+            <a:schemeClr val="lt1"/>
+          </a:fontRef>
+        </p:style>
+        <p:txBody>
+          <a:bodyPr rtlCol="0" anchor="ctr"/>
+          <a:lstStyle/>
+          <a:p>
+            <a:pPr algn="ctr"/>
+            <a:endParaRPr lang="en-US"/>
+          </a:p>
+        </p:txBody>
+      </p:sp>
+      <p:sp>
+        <p:nvSpPr>
+          <p:cNvPr id="31" name="Pijl: rechts 30">
+            <a:extLst>
+              <a:ext uri="{FF2B5EF4-FFF2-40B4-BE49-F238E27FC236}">
+                <a16:creationId xmlns:a16="http://schemas.microsoft.com/office/drawing/2014/main" id="{41E43641-3801-FB86-2A00-B7F80600605F}"/>
+              </a:ext>
+            </a:extLst>
+          </p:cNvPr>
+          <p:cNvSpPr/>
+          <p:nvPr/>
+        </p:nvSpPr>
+        <p:spPr>
+          <a:xfrm>
+            <a:off x="6814154" y="2893518"/>
+            <a:ext cx="507146" cy="491778"/>
+          </a:xfrm>
+          <a:prstGeom prst="rightArrow">
+            <a:avLst/>
+          </a:prstGeom>
+          <a:solidFill>
+            <a:srgbClr val="5F8FA3"/>
+          </a:solidFill>
+          <a:ln>
+            <a:solidFill>
+              <a:schemeClr val="tx1"/>
+            </a:solidFill>
+          </a:ln>
+        </p:spPr>
+        <p:style>
+          <a:lnRef idx="2">
+            <a:schemeClr val="accent1">
+              <a:shade val="50000"/>
+            </a:schemeClr>
+          </a:lnRef>
+          <a:fillRef idx="1">
+            <a:schemeClr val="accent1"/>
+          </a:fillRef>
+          <a:effectRef idx="0">
+            <a:schemeClr val="accent1"/>
+          </a:effectRef>
+          <a:fontRef idx="minor">
+            <a:schemeClr val="lt1"/>
+          </a:fontRef>
+        </p:style>
+        <p:txBody>
+          <a:bodyPr rtlCol="0" anchor="ctr"/>
+          <a:lstStyle/>
+          <a:p>
+            <a:pPr algn="ctr"/>
+            <a:endParaRPr lang="en-US"/>
+          </a:p>
+        </p:txBody>
+      </p:sp>
+      <p:sp>
+        <p:nvSpPr>
+          <p:cNvPr id="34" name="Pijl: rechts 33">
+            <a:extLst>
+              <a:ext uri="{FF2B5EF4-FFF2-40B4-BE49-F238E27FC236}">
+                <a16:creationId xmlns:a16="http://schemas.microsoft.com/office/drawing/2014/main" id="{700486AC-23C4-193F-4C23-530FA8BF5F91}"/>
+              </a:ext>
+            </a:extLst>
+          </p:cNvPr>
+          <p:cNvSpPr/>
+          <p:nvPr/>
+        </p:nvSpPr>
+        <p:spPr>
+          <a:xfrm>
+            <a:off x="9149730" y="2893518"/>
+            <a:ext cx="507146" cy="491778"/>
+          </a:xfrm>
+          <a:prstGeom prst="rightArrow">
+            <a:avLst/>
+          </a:prstGeom>
+          <a:solidFill>
+            <a:srgbClr val="5F8FA3"/>
+          </a:solidFill>
+          <a:ln>
+            <a:solidFill>
+              <a:schemeClr val="tx1"/>
+            </a:solidFill>
+          </a:ln>
+        </p:spPr>
+        <p:style>
+          <a:lnRef idx="2">
+            <a:schemeClr val="accent1">
+              <a:shade val="50000"/>
+            </a:schemeClr>
+          </a:lnRef>
+          <a:fillRef idx="1">
+            <a:schemeClr val="accent1"/>
+          </a:fillRef>
+          <a:effectRef idx="0">
+            <a:schemeClr val="accent1"/>
+          </a:effectRef>
+          <a:fontRef idx="minor">
+            <a:schemeClr val="lt1"/>
+          </a:fontRef>
+        </p:style>
+        <p:txBody>
+          <a:bodyPr rtlCol="0" anchor="ctr"/>
+          <a:lstStyle/>
+          <a:p>
+            <a:pPr algn="ctr"/>
+            <a:endParaRPr lang="en-US"/>
+          </a:p>
+        </p:txBody>
+      </p:sp>
+      <p:grpSp>
+        <p:nvGrpSpPr>
+          <p:cNvPr id="12" name="Groep 11">
+            <a:extLst>
+              <a:ext uri="{FF2B5EF4-FFF2-40B4-BE49-F238E27FC236}">
+                <a16:creationId xmlns:a16="http://schemas.microsoft.com/office/drawing/2014/main" id="{7E55726E-EEB8-6AC5-993A-E194127584F4}"/>
+              </a:ext>
+            </a:extLst>
+          </p:cNvPr>
+          <p:cNvGrpSpPr/>
+          <p:nvPr/>
+        </p:nvGrpSpPr>
+        <p:grpSpPr>
+          <a:xfrm>
+            <a:off x="5007044" y="4429014"/>
+            <a:ext cx="1810896" cy="1532150"/>
+            <a:chOff x="7176209" y="4342316"/>
+            <a:chExt cx="1810896" cy="1532150"/>
+          </a:xfrm>
+        </p:grpSpPr>
+        <p:pic>
+          <p:nvPicPr>
+            <p:cNvPr id="35" name="Afbeelding 34">
+              <a:extLst>
+                <a:ext uri="{FF2B5EF4-FFF2-40B4-BE49-F238E27FC236}">
+                  <a16:creationId xmlns:a16="http://schemas.microsoft.com/office/drawing/2014/main" id="{E8F89744-9FB3-EEBC-60AE-247AF7995DBD}"/>
+                </a:ext>
+              </a:extLst>
+            </p:cNvPr>
+            <p:cNvPicPr>
+              <a:picLocks noChangeAspect="1"/>
+            </p:cNvPicPr>
+            <p:nvPr/>
+          </p:nvPicPr>
+          <p:blipFill rotWithShape="1">
+            <a:blip r:embed="rId3"/>
+            <a:srcRect r="6776" b="9877"/>
+            <a:stretch/>
+          </p:blipFill>
+          <p:spPr>
+            <a:xfrm>
+              <a:off x="7176211" y="4465262"/>
+              <a:ext cx="1810894" cy="1409204"/>
+            </a:xfrm>
+            <a:prstGeom prst="rect">
+              <a:avLst/>
+            </a:prstGeom>
+          </p:spPr>
+        </p:pic>
+        <p:sp>
+          <p:nvSpPr>
+            <p:cNvPr id="36" name="Tekstvak 35">
+              <a:extLst>
+                <a:ext uri="{FF2B5EF4-FFF2-40B4-BE49-F238E27FC236}">
+                  <a16:creationId xmlns:a16="http://schemas.microsoft.com/office/drawing/2014/main" id="{40C5B789-94F2-4D4C-4AE2-17608E6D5257}"/>
+                </a:ext>
+              </a:extLst>
+            </p:cNvPr>
+            <p:cNvSpPr txBox="1"/>
+            <p:nvPr/>
+          </p:nvSpPr>
+          <p:spPr>
+            <a:xfrm>
+              <a:off x="7176209" y="4342316"/>
+              <a:ext cx="1810895" cy="276999"/>
+            </a:xfrm>
+            <a:prstGeom prst="rect">
+              <a:avLst/>
+            </a:prstGeom>
+            <a:solidFill>
+              <a:srgbClr val="5F8FA3"/>
+            </a:solidFill>
+          </p:spPr>
+          <p:txBody>
+            <a:bodyPr wrap="square" rtlCol="0">
+              <a:spAutoFit/>
+            </a:bodyPr>
+            <a:lstStyle/>
+            <a:p>
+              <a:r>
+                <a:rPr lang="nl-NL" sz="1200">
+                  <a:solidFill>
+                    <a:schemeClr val="bg1"/>
+                  </a:solidFill>
+                  <a:latin typeface="Consolas" panose="020B0609020204030204" pitchFamily="49" charset="0"/>
+                </a:rPr>
+                <a:t>Find</a:t>
+              </a:r>
+              <a:r>
+                <a:rPr lang="nl-NL" sz="1200">
+                  <a:latin typeface="Consolas" panose="020B0609020204030204" pitchFamily="49" charset="0"/>
+                </a:rPr>
+                <a:t> </a:t>
+              </a:r>
+              <a:r>
+                <a:rPr lang="nl-NL" sz="1200">
+                  <a:solidFill>
+                    <a:schemeClr val="bg1"/>
+                  </a:solidFill>
+                  <a:latin typeface="Consolas" panose="020B0609020204030204" pitchFamily="49" charset="0"/>
+                </a:rPr>
+                <a:t>edges/faces</a:t>
+              </a:r>
+              <a:endParaRPr lang="en-US" sz="1200">
+                <a:solidFill>
+                  <a:schemeClr val="bg1"/>
+                </a:solidFill>
+                <a:latin typeface="Consolas" panose="020B0609020204030204" pitchFamily="49" charset="0"/>
+              </a:endParaRPr>
+            </a:p>
+          </p:txBody>
+        </p:sp>
+        <p:cxnSp>
+          <p:nvCxnSpPr>
+            <p:cNvPr id="3" name="Rechte verbindingslijn 2">
+              <a:extLst>
+                <a:ext uri="{FF2B5EF4-FFF2-40B4-BE49-F238E27FC236}">
+                  <a16:creationId xmlns:a16="http://schemas.microsoft.com/office/drawing/2014/main" id="{65AD5B53-9EFF-F6F6-DA43-48499D174466}"/>
+                </a:ext>
+              </a:extLst>
+            </p:cNvPr>
+            <p:cNvCxnSpPr>
+              <a:cxnSpLocks/>
+            </p:cNvCxnSpPr>
+            <p:nvPr/>
+          </p:nvCxnSpPr>
+          <p:spPr>
+            <a:xfrm>
+              <a:off x="7932774" y="5152529"/>
+              <a:ext cx="0" cy="556708"/>
+            </a:xfrm>
+            <a:prstGeom prst="line">
+              <a:avLst/>
+            </a:prstGeom>
+            <a:ln w="28575">
+              <a:solidFill>
+                <a:schemeClr val="bg1"/>
+              </a:solidFill>
+            </a:ln>
+          </p:spPr>
+          <p:style>
+            <a:lnRef idx="1">
+              <a:schemeClr val="accent1"/>
+            </a:lnRef>
+            <a:fillRef idx="0">
+              <a:schemeClr val="accent1"/>
+            </a:fillRef>
+            <a:effectRef idx="0">
+              <a:schemeClr val="accent1"/>
+            </a:effectRef>
+            <a:fontRef idx="minor">
+              <a:schemeClr val="tx1"/>
+            </a:fontRef>
+          </p:style>
+        </p:cxnSp>
+        <p:cxnSp>
+          <p:nvCxnSpPr>
+            <p:cNvPr id="37" name="Rechte verbindingslijn 36">
+              <a:extLst>
+                <a:ext uri="{FF2B5EF4-FFF2-40B4-BE49-F238E27FC236}">
+                  <a16:creationId xmlns:a16="http://schemas.microsoft.com/office/drawing/2014/main" id="{9F3F3CD4-4595-19AD-F91F-F0748C70D03F}"/>
+                </a:ext>
+              </a:extLst>
+            </p:cNvPr>
+            <p:cNvCxnSpPr>
+              <a:cxnSpLocks/>
+            </p:cNvCxnSpPr>
+            <p:nvPr/>
+          </p:nvCxnSpPr>
+          <p:spPr>
+            <a:xfrm>
+              <a:off x="8141054" y="5233809"/>
+              <a:ext cx="0" cy="556708"/>
+            </a:xfrm>
+            <a:prstGeom prst="line">
+              <a:avLst/>
+            </a:prstGeom>
+            <a:ln w="28575">
+              <a:solidFill>
+                <a:schemeClr val="bg1"/>
+              </a:solidFill>
+            </a:ln>
+          </p:spPr>
+          <p:style>
+            <a:lnRef idx="1">
+              <a:schemeClr val="accent1"/>
+            </a:lnRef>
+            <a:fillRef idx="0">
+              <a:schemeClr val="accent1"/>
+            </a:fillRef>
+            <a:effectRef idx="0">
+              <a:schemeClr val="accent1"/>
+            </a:effectRef>
+            <a:fontRef idx="minor">
+              <a:schemeClr val="tx1"/>
+            </a:fontRef>
+          </p:style>
+        </p:cxnSp>
+        <p:cxnSp>
+          <p:nvCxnSpPr>
+            <p:cNvPr id="38" name="Rechte verbindingslijn 37">
+              <a:extLst>
+                <a:ext uri="{FF2B5EF4-FFF2-40B4-BE49-F238E27FC236}">
+                  <a16:creationId xmlns:a16="http://schemas.microsoft.com/office/drawing/2014/main" id="{E2D8A3F9-B335-F555-2232-29D403A6AC8F}"/>
+                </a:ext>
+              </a:extLst>
+            </p:cNvPr>
+            <p:cNvCxnSpPr>
+              <a:cxnSpLocks/>
+            </p:cNvCxnSpPr>
+            <p:nvPr/>
+          </p:nvCxnSpPr>
+          <p:spPr>
+            <a:xfrm>
+              <a:off x="7790151" y="5025529"/>
+              <a:ext cx="0" cy="556708"/>
+            </a:xfrm>
+            <a:prstGeom prst="line">
+              <a:avLst/>
+            </a:prstGeom>
+            <a:ln w="28575">
+              <a:solidFill>
+                <a:schemeClr val="bg1"/>
+              </a:solidFill>
+            </a:ln>
+          </p:spPr>
+          <p:style>
+            <a:lnRef idx="1">
+              <a:schemeClr val="accent1"/>
+            </a:lnRef>
+            <a:fillRef idx="0">
+              <a:schemeClr val="accent1"/>
+            </a:fillRef>
+            <a:effectRef idx="0">
+              <a:schemeClr val="accent1"/>
+            </a:effectRef>
+            <a:fontRef idx="minor">
+              <a:schemeClr val="tx1"/>
+            </a:fontRef>
+          </p:style>
+        </p:cxnSp>
+        <p:cxnSp>
+          <p:nvCxnSpPr>
+            <p:cNvPr id="39" name="Rechte verbindingslijn 38">
+              <a:extLst>
+                <a:ext uri="{FF2B5EF4-FFF2-40B4-BE49-F238E27FC236}">
+                  <a16:creationId xmlns:a16="http://schemas.microsoft.com/office/drawing/2014/main" id="{6C474675-8790-7AF1-DD23-19B2E13E4ACB}"/>
+                </a:ext>
+              </a:extLst>
+            </p:cNvPr>
+            <p:cNvCxnSpPr>
+              <a:cxnSpLocks/>
+            </p:cNvCxnSpPr>
+            <p:nvPr/>
+          </p:nvCxnSpPr>
+          <p:spPr>
+            <a:xfrm>
+              <a:off x="8287991" y="5098472"/>
+              <a:ext cx="0" cy="556708"/>
+            </a:xfrm>
+            <a:prstGeom prst="line">
+              <a:avLst/>
+            </a:prstGeom>
+            <a:ln w="28575">
+              <a:solidFill>
+                <a:schemeClr val="bg1"/>
+              </a:solidFill>
+            </a:ln>
+          </p:spPr>
+          <p:style>
+            <a:lnRef idx="1">
+              <a:schemeClr val="accent1"/>
+            </a:lnRef>
+            <a:fillRef idx="0">
+              <a:schemeClr val="accent1"/>
+            </a:fillRef>
+            <a:effectRef idx="0">
+              <a:schemeClr val="accent1"/>
+            </a:effectRef>
+            <a:fontRef idx="minor">
+              <a:schemeClr val="tx1"/>
+            </a:fontRef>
+          </p:style>
+        </p:cxnSp>
+        <p:cxnSp>
+          <p:nvCxnSpPr>
+            <p:cNvPr id="40" name="Rechte verbindingslijn 39">
+              <a:extLst>
+                <a:ext uri="{FF2B5EF4-FFF2-40B4-BE49-F238E27FC236}">
+                  <a16:creationId xmlns:a16="http://schemas.microsoft.com/office/drawing/2014/main" id="{709E400E-9D0A-197A-AAD0-D9F50D977ACB}"/>
+                </a:ext>
+              </a:extLst>
+            </p:cNvPr>
+            <p:cNvCxnSpPr>
+              <a:cxnSpLocks/>
+            </p:cNvCxnSpPr>
+            <p:nvPr/>
+          </p:nvCxnSpPr>
+          <p:spPr>
+            <a:xfrm>
+              <a:off x="8450551" y="5062912"/>
+              <a:ext cx="0" cy="556708"/>
+            </a:xfrm>
+            <a:prstGeom prst="line">
+              <a:avLst/>
+            </a:prstGeom>
+            <a:ln w="28575">
+              <a:solidFill>
+                <a:schemeClr val="bg1"/>
+              </a:solidFill>
+            </a:ln>
+          </p:spPr>
+          <p:style>
+            <a:lnRef idx="1">
+              <a:schemeClr val="accent1"/>
+            </a:lnRef>
+            <a:fillRef idx="0">
+              <a:schemeClr val="accent1"/>
+            </a:fillRef>
+            <a:effectRef idx="0">
+              <a:schemeClr val="accent1"/>
+            </a:effectRef>
+            <a:fontRef idx="minor">
+              <a:schemeClr val="tx1"/>
+            </a:fontRef>
+          </p:style>
+        </p:cxnSp>
+        <p:cxnSp>
+          <p:nvCxnSpPr>
+            <p:cNvPr id="41" name="Rechte verbindingslijn 40">
+              <a:extLst>
+                <a:ext uri="{FF2B5EF4-FFF2-40B4-BE49-F238E27FC236}">
+                  <a16:creationId xmlns:a16="http://schemas.microsoft.com/office/drawing/2014/main" id="{C18DF26A-0A1D-7C95-B7A2-E94F16BB915F}"/>
+                </a:ext>
+              </a:extLst>
+            </p:cNvPr>
+            <p:cNvCxnSpPr>
+              <a:cxnSpLocks/>
+            </p:cNvCxnSpPr>
+            <p:nvPr/>
+          </p:nvCxnSpPr>
+          <p:spPr>
+            <a:xfrm>
+              <a:off x="8567391" y="4955455"/>
+              <a:ext cx="0" cy="556708"/>
+            </a:xfrm>
+            <a:prstGeom prst="line">
+              <a:avLst/>
+            </a:prstGeom>
+            <a:ln w="28575">
+              <a:solidFill>
+                <a:schemeClr val="bg1"/>
+              </a:solidFill>
+            </a:ln>
+          </p:spPr>
+          <p:style>
+            <a:lnRef idx="1">
+              <a:schemeClr val="accent1"/>
+            </a:lnRef>
+            <a:fillRef idx="0">
+              <a:schemeClr val="accent1"/>
+            </a:fillRef>
+            <a:effectRef idx="0">
+              <a:schemeClr val="accent1"/>
+            </a:effectRef>
+            <a:fontRef idx="minor">
+              <a:schemeClr val="tx1"/>
+            </a:fontRef>
+          </p:style>
+        </p:cxnSp>
+        <p:sp>
+          <p:nvSpPr>
+            <p:cNvPr id="10" name="Vrije vorm: vorm 9">
+              <a:extLst>
+                <a:ext uri="{FF2B5EF4-FFF2-40B4-BE49-F238E27FC236}">
+                  <a16:creationId xmlns:a16="http://schemas.microsoft.com/office/drawing/2014/main" id="{ADF879F5-F111-B0AB-700B-5AC7048564D9}"/>
+                </a:ext>
+              </a:extLst>
+            </p:cNvPr>
+            <p:cNvSpPr/>
+            <p:nvPr/>
+          </p:nvSpPr>
+          <p:spPr>
+            <a:xfrm>
+              <a:off x="7803643" y="4747399"/>
+              <a:ext cx="749300" cy="488950"/>
+            </a:xfrm>
+            <a:custGeom>
+              <a:avLst/>
+              <a:gdLst>
+                <a:gd name="connsiteX0" fmla="*/ 222250 w 749300"/>
+                <a:gd name="connsiteY0" fmla="*/ 0 h 488950"/>
+                <a:gd name="connsiteX1" fmla="*/ 0 w 749300"/>
+                <a:gd name="connsiteY1" fmla="*/ 269875 h 488950"/>
+                <a:gd name="connsiteX2" fmla="*/ 133350 w 749300"/>
+                <a:gd name="connsiteY2" fmla="*/ 403225 h 488950"/>
+                <a:gd name="connsiteX3" fmla="*/ 339725 w 749300"/>
+                <a:gd name="connsiteY3" fmla="*/ 488950 h 488950"/>
+                <a:gd name="connsiteX4" fmla="*/ 488950 w 749300"/>
+                <a:gd name="connsiteY4" fmla="*/ 330200 h 488950"/>
+                <a:gd name="connsiteX5" fmla="*/ 638175 w 749300"/>
+                <a:gd name="connsiteY5" fmla="*/ 320675 h 488950"/>
+                <a:gd name="connsiteX6" fmla="*/ 749300 w 749300"/>
+                <a:gd name="connsiteY6" fmla="*/ 180975 h 488950"/>
+                <a:gd name="connsiteX7" fmla="*/ 222250 w 749300"/>
+                <a:gd name="connsiteY7" fmla="*/ 0 h 488950"/>
+              </a:gdLst>
+              <a:ahLst/>
+              <a:cxnLst>
+                <a:cxn ang="0">
+                  <a:pos x="connsiteX0" y="connsiteY0"/>
+                </a:cxn>
+                <a:cxn ang="0">
+                  <a:pos x="connsiteX1" y="connsiteY1"/>
+                </a:cxn>
+                <a:cxn ang="0">
+                  <a:pos x="connsiteX2" y="connsiteY2"/>
+                </a:cxn>
+                <a:cxn ang="0">
+                  <a:pos x="connsiteX3" y="connsiteY3"/>
+                </a:cxn>
+                <a:cxn ang="0">
+                  <a:pos x="connsiteX4" y="connsiteY4"/>
+                </a:cxn>
+                <a:cxn ang="0">
+                  <a:pos x="connsiteX5" y="connsiteY5"/>
+                </a:cxn>
+                <a:cxn ang="0">
+                  <a:pos x="connsiteX6" y="connsiteY6"/>
+                </a:cxn>
+                <a:cxn ang="0">
+                  <a:pos x="connsiteX7" y="connsiteY7"/>
+                </a:cxn>
+              </a:cxnLst>
+              <a:rect l="l" t="t" r="r" b="b"/>
+              <a:pathLst>
+                <a:path w="749300" h="488950">
+                  <a:moveTo>
+                    <a:pt x="222250" y="0"/>
+                  </a:moveTo>
+                  <a:lnTo>
+                    <a:pt x="0" y="269875"/>
+                  </a:lnTo>
+                  <a:lnTo>
+                    <a:pt x="133350" y="403225"/>
+                  </a:lnTo>
+                  <a:lnTo>
+                    <a:pt x="339725" y="488950"/>
+                  </a:lnTo>
+                  <a:lnTo>
+                    <a:pt x="488950" y="330200"/>
+                  </a:lnTo>
+                  <a:lnTo>
+                    <a:pt x="638175" y="320675"/>
+                  </a:lnTo>
+                  <a:lnTo>
+                    <a:pt x="749300" y="180975"/>
+                  </a:lnTo>
+                  <a:lnTo>
+                    <a:pt x="222250" y="0"/>
+                  </a:lnTo>
+                  <a:close/>
+                </a:path>
+              </a:pathLst>
+            </a:custGeom>
+            <a:solidFill>
+              <a:schemeClr val="tx1">
+                <a:lumMod val="50000"/>
+                <a:lumOff val="50000"/>
+              </a:schemeClr>
+            </a:solidFill>
+            <a:ln>
+              <a:solidFill>
+                <a:schemeClr val="bg1"/>
+              </a:solidFill>
+            </a:ln>
+          </p:spPr>
+          <p:style>
+            <a:lnRef idx="2">
+              <a:schemeClr val="accent1">
+                <a:shade val="50000"/>
+              </a:schemeClr>
+            </a:lnRef>
+            <a:fillRef idx="1">
+              <a:schemeClr val="accent1"/>
+            </a:fillRef>
+            <a:effectRef idx="0">
+              <a:schemeClr val="accent1"/>
+            </a:effectRef>
+            <a:fontRef idx="minor">
+              <a:schemeClr val="lt1"/>
+            </a:fontRef>
+          </p:style>
+          <p:txBody>
+            <a:bodyPr rtlCol="0" anchor="ctr"/>
+            <a:lstStyle/>
+            <a:p>
+              <a:pPr algn="ctr"/>
+              <a:endParaRPr lang="en-US"/>
+            </a:p>
+          </p:txBody>
+        </p:sp>
+      </p:grpSp>
+      <p:sp>
+        <p:nvSpPr>
+          <p:cNvPr id="16" name="Pijl: gebogen omhoog 15">
+            <a:extLst>
+              <a:ext uri="{FF2B5EF4-FFF2-40B4-BE49-F238E27FC236}">
+                <a16:creationId xmlns:a16="http://schemas.microsoft.com/office/drawing/2014/main" id="{E2812D39-8E4E-F849-70F7-C1FE6441F55F}"/>
+              </a:ext>
+            </a:extLst>
+          </p:cNvPr>
+          <p:cNvSpPr/>
+          <p:nvPr/>
+        </p:nvSpPr>
+        <p:spPr>
+          <a:xfrm flipV="1">
+            <a:off x="6919044" y="1451909"/>
+            <a:ext cx="1499686" cy="658326"/>
+          </a:xfrm>
+          <a:prstGeom prst="bentUpArrow">
+            <a:avLst>
+              <a:gd name="adj1" fmla="val 32652"/>
+              <a:gd name="adj2" fmla="val 39590"/>
+              <a:gd name="adj3" fmla="val 32003"/>
+            </a:avLst>
+          </a:prstGeom>
+          <a:solidFill>
+            <a:srgbClr val="C5D6DD"/>
+          </a:solidFill>
+          <a:ln>
+            <a:noFill/>
+          </a:ln>
+          <a:effectLst>
+            <a:softEdge rad="0"/>
+          </a:effectLst>
+        </p:spPr>
+        <p:style>
+          <a:lnRef idx="2">
+            <a:schemeClr val="accent1">
+              <a:shade val="50000"/>
+            </a:schemeClr>
+          </a:lnRef>
+          <a:fillRef idx="1">
+            <a:schemeClr val="accent1"/>
+          </a:fillRef>
+          <a:effectRef idx="0">
+            <a:schemeClr val="accent1"/>
+          </a:effectRef>
+          <a:fontRef idx="minor">
+            <a:schemeClr val="lt1"/>
+          </a:fontRef>
+        </p:style>
+        <p:txBody>
+          <a:bodyPr rtlCol="0" anchor="ctr"/>
+          <a:lstStyle/>
+          <a:p>
+            <a:pPr algn="ctr"/>
+            <a:endParaRPr lang="en-US"/>
+          </a:p>
+        </p:txBody>
+      </p:sp>
+      <p:sp>
+        <p:nvSpPr>
+          <p:cNvPr id="44" name="Pijl: rechts 43">
+            <a:extLst>
+              <a:ext uri="{FF2B5EF4-FFF2-40B4-BE49-F238E27FC236}">
+                <a16:creationId xmlns:a16="http://schemas.microsoft.com/office/drawing/2014/main" id="{D40C98B1-F20A-03EA-B5C5-B529E54DC286}"/>
+              </a:ext>
+            </a:extLst>
+          </p:cNvPr>
+          <p:cNvSpPr/>
+          <p:nvPr/>
+        </p:nvSpPr>
+        <p:spPr>
+          <a:xfrm rot="5400000">
+            <a:off x="3397181" y="1680644"/>
+            <a:ext cx="333809" cy="491778"/>
+          </a:xfrm>
+          <a:prstGeom prst="rightArrow">
+            <a:avLst/>
+          </a:prstGeom>
+          <a:solidFill>
+            <a:srgbClr val="C5D6DD"/>
+          </a:solidFill>
+          <a:ln>
+            <a:noFill/>
+          </a:ln>
+          <a:effectLst>
+            <a:softEdge rad="0"/>
+          </a:effectLst>
+        </p:spPr>
+        <p:style>
+          <a:lnRef idx="2">
+            <a:schemeClr val="accent1">
+              <a:shade val="50000"/>
+            </a:schemeClr>
+          </a:lnRef>
+          <a:fillRef idx="1">
+            <a:schemeClr val="accent1"/>
+          </a:fillRef>
+          <a:effectRef idx="0">
+            <a:schemeClr val="accent1"/>
+          </a:effectRef>
+          <a:fontRef idx="minor">
+            <a:schemeClr val="lt1"/>
+          </a:fontRef>
+        </p:style>
+        <p:txBody>
+          <a:bodyPr rtlCol="0" anchor="ctr"/>
+          <a:lstStyle/>
+          <a:p>
+            <a:pPr algn="ctr"/>
+            <a:endParaRPr lang="en-US"/>
+          </a:p>
+        </p:txBody>
+      </p:sp>
+      <p:pic>
+        <p:nvPicPr>
+          <p:cNvPr id="17" name="Afbeelding 16">
+            <a:extLst>
+              <a:ext uri="{FF2B5EF4-FFF2-40B4-BE49-F238E27FC236}">
+                <a16:creationId xmlns:a16="http://schemas.microsoft.com/office/drawing/2014/main" id="{D4FB536B-4A2C-4CD2-D844-8E33AAAD1958}"/>
+              </a:ext>
+            </a:extLst>
+          </p:cNvPr>
+          <p:cNvPicPr>
+            <a:picLocks noChangeAspect="1"/>
+          </p:cNvPicPr>
+          <p:nvPr/>
+        </p:nvPicPr>
+        <p:blipFill>
+          <a:blip r:embed="rId10"/>
+          <a:stretch>
+            <a:fillRect/>
+          </a:stretch>
+        </p:blipFill>
+        <p:spPr>
+          <a:xfrm>
+            <a:off x="315612" y="4590590"/>
+            <a:ext cx="1810894" cy="1370574"/>
+          </a:xfrm>
+          <a:prstGeom prst="rect">
+            <a:avLst/>
+          </a:prstGeom>
+        </p:spPr>
+      </p:pic>
+      <p:sp>
+        <p:nvSpPr>
+          <p:cNvPr id="45" name="Tekstvak 44">
+            <a:extLst>
+              <a:ext uri="{FF2B5EF4-FFF2-40B4-BE49-F238E27FC236}">
+                <a16:creationId xmlns:a16="http://schemas.microsoft.com/office/drawing/2014/main" id="{CC331C74-F5A0-C4AA-B43A-D93ACE00B49C}"/>
+              </a:ext>
+            </a:extLst>
+          </p:cNvPr>
+          <p:cNvSpPr txBox="1"/>
+          <p:nvPr/>
+        </p:nvSpPr>
+        <p:spPr>
+          <a:xfrm>
+            <a:off x="315611" y="4437153"/>
+            <a:ext cx="1810895" cy="276999"/>
+          </a:xfrm>
+          <a:prstGeom prst="rect">
+            <a:avLst/>
+          </a:prstGeom>
+          <a:solidFill>
+            <a:srgbClr val="5F8FA3"/>
+          </a:solidFill>
+        </p:spPr>
+        <p:txBody>
+          <a:bodyPr wrap="square" rtlCol="0">
+            <a:spAutoFit/>
+          </a:bodyPr>
+          <a:lstStyle/>
+          <a:p>
+            <a:r>
+              <a:rPr lang="nl-NL" sz="1200">
+                <a:solidFill>
+                  <a:schemeClr val="bg1"/>
+                </a:solidFill>
+                <a:latin typeface="Consolas" panose="020B0609020204030204" pitchFamily="49" charset="0"/>
+              </a:rPr>
+              <a:t>Determine</a:t>
+            </a:r>
+            <a:r>
+              <a:rPr lang="nl-NL" sz="1200">
+                <a:latin typeface="Consolas" panose="020B0609020204030204" pitchFamily="49" charset="0"/>
+              </a:rPr>
+              <a:t> </a:t>
+            </a:r>
+            <a:r>
+              <a:rPr lang="nl-NL" sz="1200">
+                <a:solidFill>
+                  <a:schemeClr val="bg1"/>
+                </a:solidFill>
+                <a:latin typeface="Consolas" panose="020B0609020204030204" pitchFamily="49" charset="0"/>
+              </a:rPr>
+              <a:t>planes</a:t>
+            </a:r>
+            <a:endParaRPr lang="en-US" sz="1200">
+              <a:solidFill>
+                <a:schemeClr val="bg1"/>
+              </a:solidFill>
+              <a:latin typeface="Consolas" panose="020B0609020204030204" pitchFamily="49" charset="0"/>
+            </a:endParaRPr>
+          </a:p>
+        </p:txBody>
+      </p:sp>
+      <p:sp>
+        <p:nvSpPr>
+          <p:cNvPr id="47" name="Pijl: rechts 46">
+            <a:extLst>
+              <a:ext uri="{FF2B5EF4-FFF2-40B4-BE49-F238E27FC236}">
+                <a16:creationId xmlns:a16="http://schemas.microsoft.com/office/drawing/2014/main" id="{51168452-BE82-26A7-04C8-AD992011D474}"/>
+              </a:ext>
+            </a:extLst>
+          </p:cNvPr>
+          <p:cNvSpPr/>
+          <p:nvPr/>
+        </p:nvSpPr>
+        <p:spPr>
+          <a:xfrm rot="10800000">
+            <a:off x="2118841" y="5010114"/>
+            <a:ext cx="2873757" cy="491778"/>
+          </a:xfrm>
+          <a:prstGeom prst="rightArrow">
+            <a:avLst/>
+          </a:prstGeom>
+          <a:solidFill>
+            <a:srgbClr val="C5D6DD"/>
+          </a:solidFill>
+          <a:ln>
+            <a:noFill/>
+          </a:ln>
+          <a:effectLst>
+            <a:softEdge rad="0"/>
+          </a:effectLst>
+        </p:spPr>
+        <p:style>
+          <a:lnRef idx="2">
+            <a:schemeClr val="accent1">
+              <a:shade val="50000"/>
+            </a:schemeClr>
+          </a:lnRef>
+          <a:fillRef idx="1">
+            <a:schemeClr val="accent1"/>
+          </a:fillRef>
+          <a:effectRef idx="0">
+            <a:schemeClr val="accent1"/>
+          </a:effectRef>
+          <a:fontRef idx="minor">
+            <a:schemeClr val="lt1"/>
+          </a:fontRef>
+        </p:style>
+        <p:txBody>
+          <a:bodyPr rtlCol="0" anchor="ctr"/>
+          <a:lstStyle/>
+          <a:p>
+            <a:pPr algn="ctr"/>
+            <a:endParaRPr lang="en-US"/>
+          </a:p>
+        </p:txBody>
+      </p:sp>
+      <p:grpSp>
+        <p:nvGrpSpPr>
+          <p:cNvPr id="6" name="Groep 5">
+            <a:extLst>
+              <a:ext uri="{FF2B5EF4-FFF2-40B4-BE49-F238E27FC236}">
+                <a16:creationId xmlns:a16="http://schemas.microsoft.com/office/drawing/2014/main" id="{3D0947D1-ED87-0481-4B82-353C89567D3E}"/>
+              </a:ext>
+            </a:extLst>
+          </p:cNvPr>
+          <p:cNvGrpSpPr/>
+          <p:nvPr/>
+        </p:nvGrpSpPr>
+        <p:grpSpPr>
+          <a:xfrm>
+            <a:off x="2633652" y="4437153"/>
+            <a:ext cx="1810895" cy="1524011"/>
+            <a:chOff x="2508409" y="505688"/>
+            <a:chExt cx="1810895" cy="1524011"/>
+          </a:xfrm>
+          <a:solidFill>
+            <a:srgbClr val="5F8FA3"/>
+          </a:solidFill>
+        </p:grpSpPr>
+        <p:pic>
+          <p:nvPicPr>
+            <p:cNvPr id="4" name="Afbeelding 3">
+              <a:extLst>
+                <a:ext uri="{FF2B5EF4-FFF2-40B4-BE49-F238E27FC236}">
+                  <a16:creationId xmlns:a16="http://schemas.microsoft.com/office/drawing/2014/main" id="{70F0675C-0A05-E6E7-D76A-E4FCE1A8C5A5}"/>
+                </a:ext>
+              </a:extLst>
+            </p:cNvPr>
+            <p:cNvPicPr>
+              <a:picLocks noChangeAspect="1"/>
+            </p:cNvPicPr>
+            <p:nvPr/>
+          </p:nvPicPr>
+          <p:blipFill>
+            <a:blip r:embed="rId11"/>
+            <a:stretch>
+              <a:fillRect/>
+            </a:stretch>
+          </p:blipFill>
+          <p:spPr>
+            <a:xfrm>
+              <a:off x="2508410" y="774549"/>
+              <a:ext cx="1810894" cy="1255150"/>
+            </a:xfrm>
+            <a:prstGeom prst="rect">
+              <a:avLst/>
+            </a:prstGeom>
+            <a:grpFill/>
+            <a:ln>
+              <a:noFill/>
+            </a:ln>
+            <a:effectLst>
+              <a:softEdge rad="0"/>
+            </a:effectLst>
+          </p:spPr>
+        </p:pic>
+        <p:sp>
+          <p:nvSpPr>
+            <p:cNvPr id="43" name="Tekstvak 42">
+              <a:extLst>
+                <a:ext uri="{FF2B5EF4-FFF2-40B4-BE49-F238E27FC236}">
+                  <a16:creationId xmlns:a16="http://schemas.microsoft.com/office/drawing/2014/main" id="{48475E97-8D4B-22F1-2B30-853188155FDD}"/>
+                </a:ext>
+              </a:extLst>
+            </p:cNvPr>
+            <p:cNvSpPr txBox="1"/>
+            <p:nvPr/>
+          </p:nvSpPr>
+          <p:spPr>
+            <a:xfrm>
+              <a:off x="2508409" y="505688"/>
+              <a:ext cx="1810895" cy="276999"/>
+            </a:xfrm>
+            <a:prstGeom prst="rect">
+              <a:avLst/>
+            </a:prstGeom>
+            <a:grpFill/>
+          </p:spPr>
+          <p:txBody>
+            <a:bodyPr wrap="square" rtlCol="0">
+              <a:spAutoFit/>
+            </a:bodyPr>
+            <a:lstStyle/>
+            <a:p>
+              <a:r>
+                <a:rPr lang="nl-NL" sz="1200">
+                  <a:solidFill>
+                    <a:schemeClr val="bg1"/>
+                  </a:solidFill>
+                  <a:latin typeface="Consolas" panose="020B0609020204030204" pitchFamily="49" charset="0"/>
+                </a:rPr>
+                <a:t>Create</a:t>
+              </a:r>
+              <a:r>
+                <a:rPr lang="nl-NL" sz="1200">
+                  <a:latin typeface="Consolas" panose="020B0609020204030204" pitchFamily="49" charset="0"/>
+                </a:rPr>
+                <a:t> </a:t>
+              </a:r>
+              <a:r>
+                <a:rPr lang="nl-NL" sz="1200">
+                  <a:solidFill>
+                    <a:schemeClr val="bg1"/>
+                  </a:solidFill>
+                  <a:latin typeface="Consolas" panose="020B0609020204030204" pitchFamily="49" charset="0"/>
+                </a:rPr>
+                <a:t>3d</a:t>
+              </a:r>
+              <a:r>
+                <a:rPr lang="nl-NL" sz="1200">
+                  <a:latin typeface="Consolas" panose="020B0609020204030204" pitchFamily="49" charset="0"/>
+                </a:rPr>
+                <a:t> </a:t>
+              </a:r>
+              <a:r>
+                <a:rPr lang="nl-NL" sz="1200">
+                  <a:solidFill>
+                    <a:schemeClr val="bg1"/>
+                  </a:solidFill>
+                  <a:latin typeface="Consolas" panose="020B0609020204030204" pitchFamily="49" charset="0"/>
+                </a:rPr>
+                <a:t>wire/face</a:t>
+              </a:r>
+              <a:endParaRPr lang="en-US" sz="1200">
+                <a:solidFill>
+                  <a:schemeClr val="bg1"/>
+                </a:solidFill>
+                <a:latin typeface="Consolas" panose="020B0609020204030204" pitchFamily="49" charset="0"/>
+              </a:endParaRPr>
+            </a:p>
+          </p:txBody>
+        </p:sp>
+      </p:grpSp>
+      <p:sp>
+        <p:nvSpPr>
+          <p:cNvPr id="53" name="Pijl: rechts 52">
+            <a:extLst>
+              <a:ext uri="{FF2B5EF4-FFF2-40B4-BE49-F238E27FC236}">
+                <a16:creationId xmlns:a16="http://schemas.microsoft.com/office/drawing/2014/main" id="{F15D227C-20E2-7692-CA0D-E142CC2BBA0C}"/>
+              </a:ext>
+            </a:extLst>
+          </p:cNvPr>
+          <p:cNvSpPr/>
+          <p:nvPr/>
+        </p:nvSpPr>
+        <p:spPr>
+          <a:xfrm rot="5400000">
+            <a:off x="5745587" y="1697441"/>
+            <a:ext cx="333809" cy="491778"/>
+          </a:xfrm>
+          <a:prstGeom prst="rightArrow">
+            <a:avLst/>
+          </a:prstGeom>
+          <a:solidFill>
+            <a:srgbClr val="C5D6DD"/>
+          </a:solidFill>
+          <a:ln>
+            <a:noFill/>
+          </a:ln>
+          <a:effectLst>
+            <a:softEdge rad="0"/>
+          </a:effectLst>
+        </p:spPr>
+        <p:style>
+          <a:lnRef idx="2">
+            <a:schemeClr val="accent1">
+              <a:shade val="50000"/>
+            </a:schemeClr>
+          </a:lnRef>
+          <a:fillRef idx="1">
+            <a:schemeClr val="accent1"/>
+          </a:fillRef>
+          <a:effectRef idx="0">
+            <a:schemeClr val="accent1"/>
+          </a:effectRef>
+          <a:fontRef idx="minor">
+            <a:schemeClr val="lt1"/>
+          </a:fontRef>
+        </p:style>
+        <p:txBody>
+          <a:bodyPr rtlCol="0" anchor="ctr"/>
+          <a:lstStyle/>
+          <a:p>
+            <a:pPr algn="ctr"/>
+            <a:endParaRPr lang="en-US"/>
+          </a:p>
+        </p:txBody>
+      </p:sp>
+      <p:sp>
+        <p:nvSpPr>
+          <p:cNvPr id="54" name="Pijl: rechts 53">
+            <a:extLst>
+              <a:ext uri="{FF2B5EF4-FFF2-40B4-BE49-F238E27FC236}">
+                <a16:creationId xmlns:a16="http://schemas.microsoft.com/office/drawing/2014/main" id="{79A6AF07-C0E8-121B-A240-C1FB5A139B56}"/>
+              </a:ext>
+            </a:extLst>
+          </p:cNvPr>
+          <p:cNvSpPr/>
+          <p:nvPr/>
+        </p:nvSpPr>
+        <p:spPr>
+          <a:xfrm rot="16200000" flipV="1">
+            <a:off x="1046488" y="3985313"/>
+            <a:ext cx="333809" cy="491778"/>
+          </a:xfrm>
+          <a:prstGeom prst="rightArrow">
+            <a:avLst/>
+          </a:prstGeom>
+          <a:solidFill>
+            <a:srgbClr val="C5D6DD"/>
+          </a:solidFill>
+          <a:ln>
+            <a:noFill/>
+          </a:ln>
+          <a:effectLst>
+            <a:softEdge rad="0"/>
+          </a:effectLst>
+        </p:spPr>
+        <p:style>
+          <a:lnRef idx="2">
+            <a:schemeClr val="accent1">
+              <a:shade val="50000"/>
+            </a:schemeClr>
+          </a:lnRef>
+          <a:fillRef idx="1">
+            <a:schemeClr val="accent1"/>
+          </a:fillRef>
+          <a:effectRef idx="0">
+            <a:schemeClr val="accent1"/>
+          </a:effectRef>
+          <a:fontRef idx="minor">
+            <a:schemeClr val="lt1"/>
+          </a:fontRef>
+        </p:style>
+        <p:txBody>
+          <a:bodyPr rtlCol="0" anchor="ctr"/>
+          <a:lstStyle/>
+          <a:p>
+            <a:pPr algn="ctr"/>
+            <a:endParaRPr lang="en-US"/>
+          </a:p>
+        </p:txBody>
+      </p:sp>
+      <p:sp>
+        <p:nvSpPr>
+          <p:cNvPr id="55" name="Pijl: rechts 54">
+            <a:extLst>
+              <a:ext uri="{FF2B5EF4-FFF2-40B4-BE49-F238E27FC236}">
+                <a16:creationId xmlns:a16="http://schemas.microsoft.com/office/drawing/2014/main" id="{FF904473-6D8C-F19E-4F2B-18D30EC897F5}"/>
+              </a:ext>
+            </a:extLst>
+          </p:cNvPr>
+          <p:cNvSpPr/>
+          <p:nvPr/>
+        </p:nvSpPr>
+        <p:spPr>
+          <a:xfrm rot="16200000" flipV="1">
+            <a:off x="3388814" y="3976954"/>
+            <a:ext cx="333809" cy="491778"/>
+          </a:xfrm>
+          <a:prstGeom prst="rightArrow">
+            <a:avLst/>
+          </a:prstGeom>
+          <a:solidFill>
+            <a:srgbClr val="C5D6DD"/>
+          </a:solidFill>
+          <a:ln>
+            <a:noFill/>
+          </a:ln>
+          <a:effectLst>
+            <a:softEdge rad="0"/>
+          </a:effectLst>
+        </p:spPr>
+        <p:style>
+          <a:lnRef idx="2">
+            <a:schemeClr val="accent1">
+              <a:shade val="50000"/>
+            </a:schemeClr>
+          </a:lnRef>
+          <a:fillRef idx="1">
+            <a:schemeClr val="accent1"/>
+          </a:fillRef>
+          <a:effectRef idx="0">
+            <a:schemeClr val="accent1"/>
+          </a:effectRef>
+          <a:fontRef idx="minor">
+            <a:schemeClr val="lt1"/>
+          </a:fontRef>
+        </p:style>
+        <p:txBody>
+          <a:bodyPr rtlCol="0" anchor="ctr"/>
+          <a:lstStyle/>
+          <a:p>
+            <a:pPr algn="ctr"/>
+            <a:endParaRPr lang="en-US"/>
+          </a:p>
+        </p:txBody>
+      </p:sp>
+      <p:sp>
+        <p:nvSpPr>
+          <p:cNvPr id="56" name="Pijl: rechts 55">
+            <a:extLst>
+              <a:ext uri="{FF2B5EF4-FFF2-40B4-BE49-F238E27FC236}">
+                <a16:creationId xmlns:a16="http://schemas.microsoft.com/office/drawing/2014/main" id="{7E94D2E8-72B2-1A1A-775C-012955B20F8B}"/>
+              </a:ext>
+            </a:extLst>
+          </p:cNvPr>
+          <p:cNvSpPr/>
+          <p:nvPr/>
+        </p:nvSpPr>
+        <p:spPr>
+          <a:xfrm rot="16200000" flipV="1">
+            <a:off x="5751573" y="3976954"/>
+            <a:ext cx="333809" cy="491778"/>
+          </a:xfrm>
+          <a:prstGeom prst="rightArrow">
+            <a:avLst/>
+          </a:prstGeom>
+          <a:solidFill>
+            <a:srgbClr val="C5D6DD"/>
+          </a:solidFill>
+          <a:ln>
+            <a:noFill/>
+          </a:ln>
+          <a:effectLst>
+            <a:softEdge rad="0"/>
+          </a:effectLst>
+        </p:spPr>
+        <p:style>
+          <a:lnRef idx="2">
+            <a:schemeClr val="accent1">
+              <a:shade val="50000"/>
+            </a:schemeClr>
+          </a:lnRef>
+          <a:fillRef idx="1">
+            <a:schemeClr val="accent1"/>
+          </a:fillRef>
+          <a:effectRef idx="0">
+            <a:schemeClr val="accent1"/>
+          </a:effectRef>
+          <a:fontRef idx="minor">
+            <a:schemeClr val="lt1"/>
+          </a:fontRef>
+        </p:style>
+        <p:txBody>
+          <a:bodyPr rtlCol="0" anchor="ctr"/>
+          <a:lstStyle/>
+          <a:p>
+            <a:pPr algn="ctr"/>
+            <a:endParaRPr lang="en-US"/>
+          </a:p>
+        </p:txBody>
+      </p:sp>
+      <p:sp>
+        <p:nvSpPr>
+          <p:cNvPr id="57" name="Pijl: rechts 56">
+            <a:extLst>
+              <a:ext uri="{FF2B5EF4-FFF2-40B4-BE49-F238E27FC236}">
+                <a16:creationId xmlns:a16="http://schemas.microsoft.com/office/drawing/2014/main" id="{51826656-8E97-B1C1-09B4-C0B9AE92FCAF}"/>
+              </a:ext>
+            </a:extLst>
+          </p:cNvPr>
+          <p:cNvSpPr/>
+          <p:nvPr/>
+        </p:nvSpPr>
+        <p:spPr>
+          <a:xfrm rot="3115446" flipV="1">
+            <a:off x="4620145" y="4019226"/>
+            <a:ext cx="333809" cy="491778"/>
+          </a:xfrm>
+          <a:prstGeom prst="rightArrow">
+            <a:avLst/>
+          </a:prstGeom>
+          <a:solidFill>
+            <a:srgbClr val="C5D6DD"/>
+          </a:solidFill>
+          <a:ln>
+            <a:noFill/>
+          </a:ln>
+          <a:effectLst>
+            <a:softEdge rad="0"/>
+          </a:effectLst>
+        </p:spPr>
+        <p:style>
+          <a:lnRef idx="2">
+            <a:schemeClr val="accent1">
+              <a:shade val="50000"/>
+            </a:schemeClr>
+          </a:lnRef>
+          <a:fillRef idx="1">
+            <a:schemeClr val="accent1"/>
+          </a:fillRef>
+          <a:effectRef idx="0">
+            <a:schemeClr val="accent1"/>
+          </a:effectRef>
+          <a:fontRef idx="minor">
+            <a:schemeClr val="lt1"/>
+          </a:fontRef>
+        </p:style>
+        <p:txBody>
+          <a:bodyPr rtlCol="0" anchor="ctr"/>
+          <a:lstStyle/>
+          <a:p>
+            <a:pPr algn="ctr"/>
+            <a:endParaRPr lang="en-US"/>
+          </a:p>
+        </p:txBody>
+      </p:sp>
+      <p:pic>
+        <p:nvPicPr>
+          <p:cNvPr id="60" name="Afbeelding 59">
+            <a:extLst>
+              <a:ext uri="{FF2B5EF4-FFF2-40B4-BE49-F238E27FC236}">
+                <a16:creationId xmlns:a16="http://schemas.microsoft.com/office/drawing/2014/main" id="{CF47C0BD-12F8-8BA3-28BF-453B47BD611C}"/>
+              </a:ext>
+            </a:extLst>
+          </p:cNvPr>
+          <p:cNvPicPr>
+            <a:picLocks noChangeAspect="1"/>
+          </p:cNvPicPr>
+          <p:nvPr/>
+        </p:nvPicPr>
+        <p:blipFill>
+          <a:blip r:embed="rId12">
+            <a:clrChange>
+              <a:clrFrom>
+                <a:srgbClr val="FFFFFF"/>
+              </a:clrFrom>
+              <a:clrTo>
+                <a:srgbClr val="FFFFFF">
+                  <a:alpha val="0"/>
+                </a:srgbClr>
+              </a:clrTo>
+            </a:clrChange>
+          </a:blip>
+          <a:stretch>
+            <a:fillRect/>
+          </a:stretch>
+        </p:blipFill>
+        <p:spPr>
+          <a:xfrm>
+            <a:off x="9780559" y="6249612"/>
+            <a:ext cx="1412504" cy="432864"/>
+          </a:xfrm>
+          <a:prstGeom prst="rect">
+            <a:avLst/>
+          </a:prstGeom>
+        </p:spPr>
+      </p:pic>
+      <p:pic>
+        <p:nvPicPr>
+          <p:cNvPr id="63" name="Afbeelding 62">
+            <a:extLst>
+              <a:ext uri="{FF2B5EF4-FFF2-40B4-BE49-F238E27FC236}">
+                <a16:creationId xmlns:a16="http://schemas.microsoft.com/office/drawing/2014/main" id="{9F143A53-365C-A2A9-945C-2B3FE400C053}"/>
+              </a:ext>
+            </a:extLst>
+          </p:cNvPr>
+          <p:cNvPicPr>
+            <a:picLocks noChangeAspect="1"/>
+          </p:cNvPicPr>
+          <p:nvPr/>
+        </p:nvPicPr>
+        <p:blipFill>
+          <a:blip r:embed="rId13"/>
+          <a:stretch>
+            <a:fillRect/>
+          </a:stretch>
+        </p:blipFill>
+        <p:spPr>
+          <a:xfrm>
+            <a:off x="9698246" y="4667360"/>
+            <a:ext cx="1784641" cy="1177285"/>
+          </a:xfrm>
+          <a:prstGeom prst="rect">
+            <a:avLst/>
+          </a:prstGeom>
+          <a:ln>
+            <a:solidFill>
+              <a:schemeClr val="tx1"/>
+            </a:solidFill>
+          </a:ln>
+        </p:spPr>
+      </p:pic>
+      <p:sp>
+        <p:nvSpPr>
+          <p:cNvPr id="64" name="Tekstvak 63">
+            <a:extLst>
+              <a:ext uri="{FF2B5EF4-FFF2-40B4-BE49-F238E27FC236}">
+                <a16:creationId xmlns:a16="http://schemas.microsoft.com/office/drawing/2014/main" id="{680975D4-4021-2DC7-4616-ABE7BABCEE43}"/>
+              </a:ext>
+            </a:extLst>
+          </p:cNvPr>
+          <p:cNvSpPr txBox="1"/>
+          <p:nvPr/>
+        </p:nvSpPr>
+        <p:spPr>
+          <a:xfrm>
+            <a:off x="9685119" y="4389748"/>
+            <a:ext cx="1810895" cy="276999"/>
+          </a:xfrm>
+          <a:prstGeom prst="rect">
+            <a:avLst/>
+          </a:prstGeom>
+          <a:solidFill>
+            <a:srgbClr val="5F8FA3"/>
+          </a:solidFill>
+        </p:spPr>
+        <p:txBody>
+          <a:bodyPr wrap="square" rtlCol="0">
+            <a:spAutoFit/>
+          </a:bodyPr>
+          <a:lstStyle/>
+          <a:p>
+            <a:r>
+              <a:rPr lang="nl-NL" sz="1200">
+                <a:solidFill>
+                  <a:schemeClr val="bg1"/>
+                </a:solidFill>
+                <a:latin typeface="Consolas" panose="020B0609020204030204" pitchFamily="49" charset="0"/>
+              </a:rPr>
+              <a:t>Create functions</a:t>
+            </a:r>
+            <a:endParaRPr lang="en-US" sz="1200">
+              <a:solidFill>
+                <a:schemeClr val="bg1"/>
+              </a:solidFill>
+              <a:latin typeface="Consolas" panose="020B0609020204030204" pitchFamily="49" charset="0"/>
+            </a:endParaRPr>
+          </a:p>
+        </p:txBody>
+      </p:sp>
+      <p:sp>
+        <p:nvSpPr>
+          <p:cNvPr id="65" name="Pijl: rechts 64">
+            <a:extLst>
+              <a:ext uri="{FF2B5EF4-FFF2-40B4-BE49-F238E27FC236}">
+                <a16:creationId xmlns:a16="http://schemas.microsoft.com/office/drawing/2014/main" id="{D2925012-80BF-7E21-D69F-C0303252E3D9}"/>
+              </a:ext>
+            </a:extLst>
+          </p:cNvPr>
+          <p:cNvSpPr/>
+          <p:nvPr/>
+        </p:nvSpPr>
+        <p:spPr>
+          <a:xfrm rot="16200000" flipV="1">
+            <a:off x="10423661" y="5742551"/>
+            <a:ext cx="333809" cy="491778"/>
+          </a:xfrm>
+          <a:prstGeom prst="rightArrow">
+            <a:avLst/>
+          </a:prstGeom>
+          <a:solidFill>
+            <a:srgbClr val="C5D6DD"/>
+          </a:solidFill>
+          <a:ln>
+            <a:noFill/>
+          </a:ln>
+          <a:effectLst>
+            <a:softEdge rad="0"/>
+          </a:effectLst>
+        </p:spPr>
+        <p:style>
+          <a:lnRef idx="2">
+            <a:schemeClr val="accent1">
+              <a:shade val="50000"/>
+            </a:schemeClr>
+          </a:lnRef>
+          <a:fillRef idx="1">
+            <a:schemeClr val="accent1"/>
+          </a:fillRef>
+          <a:effectRef idx="0">
+            <a:schemeClr val="accent1"/>
+          </a:effectRef>
+          <a:fontRef idx="minor">
+            <a:schemeClr val="lt1"/>
+          </a:fontRef>
+        </p:style>
+        <p:txBody>
+          <a:bodyPr rtlCol="0" anchor="ctr"/>
+          <a:lstStyle/>
+          <a:p>
+            <a:pPr algn="ctr"/>
+            <a:endParaRPr lang="en-US"/>
+          </a:p>
+        </p:txBody>
+      </p:sp>
+      <p:pic>
+        <p:nvPicPr>
+          <p:cNvPr id="69" name="Afbeelding 68">
+            <a:extLst>
+              <a:ext uri="{FF2B5EF4-FFF2-40B4-BE49-F238E27FC236}">
+                <a16:creationId xmlns:a16="http://schemas.microsoft.com/office/drawing/2014/main" id="{C2D63637-6DD2-DA8E-0C96-B3F855C916C5}"/>
+              </a:ext>
+            </a:extLst>
+          </p:cNvPr>
+          <p:cNvPicPr>
+            <a:picLocks noChangeAspect="1"/>
+          </p:cNvPicPr>
+          <p:nvPr/>
+        </p:nvPicPr>
+        <p:blipFill>
+          <a:blip r:embed="rId14"/>
+          <a:stretch>
+            <a:fillRect/>
+          </a:stretch>
+        </p:blipFill>
+        <p:spPr>
+          <a:xfrm>
+            <a:off x="9700488" y="284097"/>
+            <a:ext cx="1811206" cy="1367971"/>
+          </a:xfrm>
+          <a:prstGeom prst="rect">
+            <a:avLst/>
+          </a:prstGeom>
+        </p:spPr>
+      </p:pic>
+      <p:sp>
+        <p:nvSpPr>
+          <p:cNvPr id="70" name="Tekstvak 69">
+            <a:extLst>
+              <a:ext uri="{FF2B5EF4-FFF2-40B4-BE49-F238E27FC236}">
+                <a16:creationId xmlns:a16="http://schemas.microsoft.com/office/drawing/2014/main" id="{F781BE54-4D87-2C77-16CD-4CBC5AB3211C}"/>
+              </a:ext>
+            </a:extLst>
+          </p:cNvPr>
+          <p:cNvSpPr txBox="1"/>
+          <p:nvPr/>
+        </p:nvSpPr>
+        <p:spPr>
+          <a:xfrm>
+            <a:off x="9698246" y="60381"/>
+            <a:ext cx="1810895" cy="276999"/>
+          </a:xfrm>
+          <a:prstGeom prst="rect">
+            <a:avLst/>
+          </a:prstGeom>
+          <a:solidFill>
+            <a:srgbClr val="5F8FA3"/>
+          </a:solidFill>
+        </p:spPr>
+        <p:txBody>
+          <a:bodyPr wrap="square" rtlCol="0">
+            <a:spAutoFit/>
+          </a:bodyPr>
+          <a:lstStyle/>
+          <a:p>
+            <a:r>
+              <a:rPr lang="nl-NL" sz="1200">
+                <a:solidFill>
+                  <a:schemeClr val="bg1"/>
+                </a:solidFill>
+                <a:latin typeface="Consolas" panose="020B0609020204030204" pitchFamily="49" charset="0"/>
+              </a:rPr>
+              <a:t>Export </a:t>
+            </a:r>
+            <a:endParaRPr lang="en-US" sz="1200">
+              <a:solidFill>
+                <a:schemeClr val="bg1"/>
+              </a:solidFill>
+              <a:latin typeface="Consolas" panose="020B0609020204030204" pitchFamily="49" charset="0"/>
+            </a:endParaRPr>
+          </a:p>
+        </p:txBody>
+      </p:sp>
+      <p:sp>
+        <p:nvSpPr>
+          <p:cNvPr id="71" name="Pijl: rechts 70">
+            <a:extLst>
+              <a:ext uri="{FF2B5EF4-FFF2-40B4-BE49-F238E27FC236}">
+                <a16:creationId xmlns:a16="http://schemas.microsoft.com/office/drawing/2014/main" id="{4D997EE6-FE70-AE52-D58B-E1B8306CAADD}"/>
+              </a:ext>
+            </a:extLst>
+          </p:cNvPr>
+          <p:cNvSpPr/>
+          <p:nvPr/>
+        </p:nvSpPr>
+        <p:spPr>
+          <a:xfrm rot="16200000" flipV="1">
+            <a:off x="10410535" y="1626887"/>
+            <a:ext cx="333809" cy="491778"/>
+          </a:xfrm>
+          <a:prstGeom prst="rightArrow">
+            <a:avLst/>
+          </a:prstGeom>
+          <a:solidFill>
+            <a:srgbClr val="C5D6DD"/>
+          </a:solidFill>
+          <a:ln>
+            <a:noFill/>
+          </a:ln>
+          <a:effectLst>
+            <a:softEdge rad="0"/>
+          </a:effectLst>
+        </p:spPr>
+        <p:style>
+          <a:lnRef idx="2">
+            <a:schemeClr val="accent1">
+              <a:shade val="50000"/>
+            </a:schemeClr>
+          </a:lnRef>
+          <a:fillRef idx="1">
+            <a:schemeClr val="accent1"/>
+          </a:fillRef>
+          <a:effectRef idx="0">
+            <a:schemeClr val="accent1"/>
+          </a:effectRef>
+          <a:fontRef idx="minor">
+            <a:schemeClr val="lt1"/>
+          </a:fontRef>
+        </p:style>
+        <p:txBody>
+          <a:bodyPr rtlCol="0" anchor="ctr"/>
+          <a:lstStyle/>
+          <a:p>
+            <a:pPr algn="ctr"/>
+            <a:endParaRPr lang="en-US"/>
+          </a:p>
+        </p:txBody>
+      </p:sp>
+    </p:spTree>
+    <p:extLst>
+      <p:ext uri="{BB962C8B-B14F-4D97-AF65-F5344CB8AC3E}">
+        <p14:creationId xmlns:p14="http://schemas.microsoft.com/office/powerpoint/2010/main" val="476744453"/>
+      </p:ext>
+    </p:extLst>
+  </p:cSld>
+  <p:clrMapOvr>
+    <a:masterClrMapping/>
+  </p:clrMapOvr>
+</p:sld>
+</file>
+
 <file path=ppt/theme/theme1.xml><?xml version="1.0" encoding="utf-8"?>
 <a:theme xmlns:a="http://schemas.openxmlformats.org/drawingml/2006/main" name="Kantoorthema">
   <a:themeElements>
